--- a/Daily(written_in_Korean)/for_samsung.pptx
+++ b/Daily(written_in_Korean)/for_samsung.pptx
@@ -5,36 +5,35 @@
     <p:sldMasterId id="2147483648" r:id="rId1"/>
   </p:sldMasterIdLst>
   <p:notesMasterIdLst>
-    <p:notesMasterId r:id="rId7"/>
+    <p:notesMasterId r:id="rId6"/>
   </p:notesMasterIdLst>
   <p:sldIdLst>
-    <p:sldId id="332" r:id="rId2"/>
-    <p:sldId id="337" r:id="rId3"/>
+    <p:sldId id="337" r:id="rId2"/>
+    <p:sldId id="340" r:id="rId3"/>
     <p:sldId id="335" r:id="rId4"/>
     <p:sldId id="336" r:id="rId5"/>
-    <p:sldId id="339" r:id="rId6"/>
   </p:sldIdLst>
   <p:sldSz cx="12192000" cy="6858000"/>
   <p:notesSz cx="6797675" cy="9928225"/>
   <p:embeddedFontLst>
     <p:embeddedFont>
-      <p:font typeface="나눔바른고딕" panose="020B0600000101010101" charset="-127"/>
+      <p:font typeface="Cambria Math" panose="02040503050406030204" pitchFamily="18" charset="0"/>
+      <p:regular r:id="rId7"/>
+    </p:embeddedFont>
+    <p:embeddedFont>
+      <p:font typeface="Tahoma" panose="020B0604030504040204" pitchFamily="34" charset="0"/>
       <p:regular r:id="rId8"/>
       <p:bold r:id="rId9"/>
     </p:embeddedFont>
     <p:embeddedFont>
-      <p:font typeface="맑은 고딕" panose="020B0503020000020004" pitchFamily="50" charset="-127"/>
+      <p:font typeface="나눔바른고딕" panose="020B0600000101010101" charset="-127"/>
       <p:regular r:id="rId10"/>
       <p:bold r:id="rId11"/>
     </p:embeddedFont>
     <p:embeddedFont>
-      <p:font typeface="Tahoma" panose="020B0604030504040204" pitchFamily="34" charset="0"/>
+      <p:font typeface="맑은 고딕" panose="020B0503020000020004" pitchFamily="50" charset="-127"/>
       <p:regular r:id="rId12"/>
       <p:bold r:id="rId13"/>
-    </p:embeddedFont>
-    <p:embeddedFont>
-      <p:font typeface="Cambria Math" panose="02040503050406030204" pitchFamily="18" charset="0"/>
-      <p:regular r:id="rId14"/>
     </p:embeddedFont>
   </p:embeddedFontLst>
   <p:defaultTextStyle>
@@ -140,17 +139,16 @@
         </p14:section>
         <p14:section name="제목 없는 구역" id="{3FE2E41B-4986-46B8-B1A6-D11F9BEA6AF1}">
           <p14:sldIdLst>
-            <p14:sldId id="332"/>
             <p14:sldId id="337"/>
+            <p14:sldId id="340"/>
             <p14:sldId id="335"/>
             <p14:sldId id="336"/>
-            <p14:sldId id="339"/>
           </p14:sldIdLst>
         </p14:section>
       </p14:sectionLst>
     </p:ext>
     <p:ext uri="{EFAFB233-063F-42B5-8137-9DF3F51BA10A}">
-      <p15:sldGuideLst xmlns:p15="http://schemas.microsoft.com/office/powerpoint/2012/main" xmlns="">
+      <p15:sldGuideLst xmlns:p15="http://schemas.microsoft.com/office/powerpoint/2012/main">
         <p15:guide id="1" orient="horz" pos="2160" userDrawn="1">
           <p15:clr>
             <a:srgbClr val="A4A3A4"/>
@@ -249,7 +247,7 @@
           <a:p>
             <a:fld id="{62F95201-455A-4498-98B2-0D9811AEAC04}" type="datetimeFigureOut">
               <a:rPr lang="ko-KR" altLang="en-US" smtClean="0"/>
-              <a:t>2018-09-13</a:t>
+              <a:t>2018-09-14</a:t>
             </a:fld>
             <a:endParaRPr lang="ko-KR" altLang="en-US"/>
           </a:p>
@@ -582,7 +580,7 @@
           <a:p>
             <a:fld id="{E566889A-3710-4D9C-9B84-4DD3102F142B}" type="slidenum">
               <a:rPr lang="ko-KR" altLang="en-US" smtClean="0"/>
-              <a:t>2</a:t>
+              <a:t>1</a:t>
             </a:fld>
             <a:endParaRPr lang="ko-KR" altLang="en-US"/>
           </a:p>
@@ -645,14 +643,6 @@
           <a:bodyPr/>
           <a:lstStyle/>
           <a:p>
-            <a:r>
-              <a:rPr lang="en-US" altLang="ko-KR" dirty="0" smtClean="0"/>
-              <a:t>Proxy </a:t>
-            </a:r>
-            <a:r>
-              <a:rPr lang="ko-KR" altLang="en-US" dirty="0" smtClean="0"/>
-              <a:t>기능</a:t>
-            </a:r>
             <a:endParaRPr lang="ko-KR" altLang="en-US" dirty="0"/>
           </a:p>
         </p:txBody>
@@ -674,7 +664,7 @@
           <a:p>
             <a:fld id="{E566889A-3710-4D9C-9B84-4DD3102F142B}" type="slidenum">
               <a:rPr lang="ko-KR" altLang="en-US" smtClean="0"/>
-              <a:t>3</a:t>
+              <a:t>2</a:t>
             </a:fld>
             <a:endParaRPr lang="ko-KR" altLang="en-US"/>
           </a:p>
@@ -683,7 +673,7 @@
     </p:spTree>
     <p:extLst>
       <p:ext uri="{BB962C8B-B14F-4D97-AF65-F5344CB8AC3E}">
-        <p14:creationId xmlns:p14="http://schemas.microsoft.com/office/powerpoint/2010/main" val="2010257508"/>
+        <p14:creationId xmlns:p14="http://schemas.microsoft.com/office/powerpoint/2010/main" val="1526252424"/>
       </p:ext>
     </p:extLst>
   </p:cSld>
@@ -737,6 +727,14 @@
           <a:bodyPr/>
           <a:lstStyle/>
           <a:p>
+            <a:r>
+              <a:rPr lang="en-US" altLang="ko-KR" dirty="0" smtClean="0"/>
+              <a:t>Proxy </a:t>
+            </a:r>
+            <a:r>
+              <a:rPr lang="ko-KR" altLang="en-US" dirty="0" smtClean="0"/>
+              <a:t>기능</a:t>
+            </a:r>
             <a:endParaRPr lang="ko-KR" altLang="en-US" dirty="0"/>
           </a:p>
         </p:txBody>
@@ -758,7 +756,7 @@
           <a:p>
             <a:fld id="{E566889A-3710-4D9C-9B84-4DD3102F142B}" type="slidenum">
               <a:rPr lang="ko-KR" altLang="en-US" smtClean="0"/>
-              <a:t>4</a:t>
+              <a:t>3</a:t>
             </a:fld>
             <a:endParaRPr lang="ko-KR" altLang="en-US"/>
           </a:p>
@@ -767,7 +765,7 @@
     </p:spTree>
     <p:extLst>
       <p:ext uri="{BB962C8B-B14F-4D97-AF65-F5344CB8AC3E}">
-        <p14:creationId xmlns:p14="http://schemas.microsoft.com/office/powerpoint/2010/main" val="433403432"/>
+        <p14:creationId xmlns:p14="http://schemas.microsoft.com/office/powerpoint/2010/main" val="2010257508"/>
       </p:ext>
     </p:extLst>
   </p:cSld>
@@ -842,7 +840,7 @@
           <a:p>
             <a:fld id="{E566889A-3710-4D9C-9B84-4DD3102F142B}" type="slidenum">
               <a:rPr lang="ko-KR" altLang="en-US" smtClean="0"/>
-              <a:t>5</a:t>
+              <a:t>4</a:t>
             </a:fld>
             <a:endParaRPr lang="ko-KR" altLang="en-US"/>
           </a:p>
@@ -992,7 +990,7 @@
           <a:p>
             <a:fld id="{383D7553-6FAC-4779-AA10-A67DFD78ABEA}" type="datetimeFigureOut">
               <a:rPr lang="ko-KR" altLang="en-US" smtClean="0"/>
-              <a:t>2018-09-13</a:t>
+              <a:t>2018-09-14</a:t>
             </a:fld>
             <a:endParaRPr lang="ko-KR" altLang="en-US"/>
           </a:p>
@@ -1162,7 +1160,7 @@
           <a:p>
             <a:fld id="{383D7553-6FAC-4779-AA10-A67DFD78ABEA}" type="datetimeFigureOut">
               <a:rPr lang="ko-KR" altLang="en-US" smtClean="0"/>
-              <a:t>2018-09-13</a:t>
+              <a:t>2018-09-14</a:t>
             </a:fld>
             <a:endParaRPr lang="ko-KR" altLang="en-US"/>
           </a:p>
@@ -1342,7 +1340,7 @@
           <a:p>
             <a:fld id="{383D7553-6FAC-4779-AA10-A67DFD78ABEA}" type="datetimeFigureOut">
               <a:rPr lang="ko-KR" altLang="en-US" smtClean="0"/>
-              <a:t>2018-09-13</a:t>
+              <a:t>2018-09-14</a:t>
             </a:fld>
             <a:endParaRPr lang="ko-KR" altLang="en-US"/>
           </a:p>
@@ -1512,7 +1510,7 @@
           <a:p>
             <a:fld id="{383D7553-6FAC-4779-AA10-A67DFD78ABEA}" type="datetimeFigureOut">
               <a:rPr lang="ko-KR" altLang="en-US" smtClean="0"/>
-              <a:t>2018-09-13</a:t>
+              <a:t>2018-09-14</a:t>
             </a:fld>
             <a:endParaRPr lang="ko-KR" altLang="en-US"/>
           </a:p>
@@ -1758,7 +1756,7 @@
           <a:p>
             <a:fld id="{383D7553-6FAC-4779-AA10-A67DFD78ABEA}" type="datetimeFigureOut">
               <a:rPr lang="ko-KR" altLang="en-US" smtClean="0"/>
-              <a:t>2018-09-13</a:t>
+              <a:t>2018-09-14</a:t>
             </a:fld>
             <a:endParaRPr lang="ko-KR" altLang="en-US"/>
           </a:p>
@@ -1990,7 +1988,7 @@
           <a:p>
             <a:fld id="{383D7553-6FAC-4779-AA10-A67DFD78ABEA}" type="datetimeFigureOut">
               <a:rPr lang="ko-KR" altLang="en-US" smtClean="0"/>
-              <a:t>2018-09-13</a:t>
+              <a:t>2018-09-14</a:t>
             </a:fld>
             <a:endParaRPr lang="ko-KR" altLang="en-US"/>
           </a:p>
@@ -2357,7 +2355,7 @@
           <a:p>
             <a:fld id="{383D7553-6FAC-4779-AA10-A67DFD78ABEA}" type="datetimeFigureOut">
               <a:rPr lang="ko-KR" altLang="en-US" smtClean="0"/>
-              <a:t>2018-09-13</a:t>
+              <a:t>2018-09-14</a:t>
             </a:fld>
             <a:endParaRPr lang="ko-KR" altLang="en-US"/>
           </a:p>
@@ -2475,7 +2473,7 @@
           <a:p>
             <a:fld id="{383D7553-6FAC-4779-AA10-A67DFD78ABEA}" type="datetimeFigureOut">
               <a:rPr lang="ko-KR" altLang="en-US" smtClean="0"/>
-              <a:t>2018-09-13</a:t>
+              <a:t>2018-09-14</a:t>
             </a:fld>
             <a:endParaRPr lang="ko-KR" altLang="en-US"/>
           </a:p>
@@ -2570,7 +2568,7 @@
           <a:p>
             <a:fld id="{383D7553-6FAC-4779-AA10-A67DFD78ABEA}" type="datetimeFigureOut">
               <a:rPr lang="ko-KR" altLang="en-US" smtClean="0"/>
-              <a:t>2018-09-13</a:t>
+              <a:t>2018-09-14</a:t>
             </a:fld>
             <a:endParaRPr lang="ko-KR" altLang="en-US"/>
           </a:p>
@@ -2847,7 +2845,7 @@
           <a:p>
             <a:fld id="{383D7553-6FAC-4779-AA10-A67DFD78ABEA}" type="datetimeFigureOut">
               <a:rPr lang="ko-KR" altLang="en-US" smtClean="0"/>
-              <a:t>2018-09-13</a:t>
+              <a:t>2018-09-14</a:t>
             </a:fld>
             <a:endParaRPr lang="ko-KR" altLang="en-US"/>
           </a:p>
@@ -3100,7 +3098,7 @@
           <a:p>
             <a:fld id="{383D7553-6FAC-4779-AA10-A67DFD78ABEA}" type="datetimeFigureOut">
               <a:rPr lang="ko-KR" altLang="en-US" smtClean="0"/>
-              <a:t>2018-09-13</a:t>
+              <a:t>2018-09-14</a:t>
             </a:fld>
             <a:endParaRPr lang="ko-KR" altLang="en-US"/>
           </a:p>
@@ -3316,7 +3314,7 @@
           <a:p>
             <a:fld id="{383D7553-6FAC-4779-AA10-A67DFD78ABEA}" type="datetimeFigureOut">
               <a:rPr lang="ko-KR" altLang="en-US" smtClean="0"/>
-              <a:t>2018-09-13</a:t>
+              <a:t>2018-09-14</a:t>
             </a:fld>
             <a:endParaRPr lang="ko-KR" altLang="en-US"/>
           </a:p>
@@ -3723,37 +3721,6 @@
       </p:grpSpPr>
       <p:sp>
         <p:nvSpPr>
-          <p:cNvPr id="3" name="부제목 2"/>
-          <p:cNvSpPr>
-            <a:spLocks noGrp="1"/>
-          </p:cNvSpPr>
-          <p:nvPr>
-            <p:ph type="subTitle" idx="1"/>
-          </p:nvPr>
-        </p:nvSpPr>
-        <p:spPr/>
-        <p:txBody>
-          <a:bodyPr>
-            <a:normAutofit/>
-          </a:bodyPr>
-          <a:lstStyle/>
-          <a:p>
-            <a:r>
-              <a:rPr lang="ko-KR" altLang="en-US" dirty="0" err="1" smtClean="0">
-                <a:latin typeface="나눔바른고딕" panose="020B0603020101020101" pitchFamily="50" charset="-127"/>
-                <a:ea typeface="나눔바른고딕" panose="020B0603020101020101" pitchFamily="50" charset="-127"/>
-              </a:rPr>
-              <a:t>하재준</a:t>
-            </a:r>
-            <a:endParaRPr lang="ko-KR" altLang="en-US" dirty="0">
-              <a:latin typeface="나눔바른고딕" panose="020B0603020101020101" pitchFamily="50" charset="-127"/>
-              <a:ea typeface="나눔바른고딕" panose="020B0603020101020101" pitchFamily="50" charset="-127"/>
-            </a:endParaRPr>
-          </a:p>
-        </p:txBody>
-      </p:sp>
-      <p:sp>
-        <p:nvSpPr>
           <p:cNvPr id="6" name="제목 1"/>
           <p:cNvSpPr txBox="1">
             <a:spLocks/>
@@ -3762,16 +3729,17 @@
         </p:nvSpPr>
         <p:spPr>
           <a:xfrm>
-            <a:off x="1524000" y="1141024"/>
-            <a:ext cx="9144000" cy="2387600"/>
+            <a:off x="525684" y="0"/>
+            <a:ext cx="10985595" cy="936132"/>
           </a:xfrm>
           <a:prstGeom prst="rect">
             <a:avLst/>
           </a:prstGeom>
+          <a:noFill/>
         </p:spPr>
         <p:txBody>
           <a:bodyPr vert="horz" lIns="91440" tIns="45720" rIns="91440" bIns="45720" rtlCol="0" anchor="b">
-            <a:normAutofit fontScale="92500"/>
+            <a:normAutofit/>
           </a:bodyPr>
           <a:lstStyle>
             <a:lvl1pPr algn="ctr" defTabSz="914400" rtl="0" eaLnBrk="1" latinLnBrk="1" hangingPunct="1">
@@ -3794,82 +3762,16 @@
           </a:lstStyle>
           <a:p>
             <a:r>
-              <a:rPr lang="en-US" altLang="ko-KR" sz="4800" dirty="0">
+              <a:rPr lang="ko-KR" altLang="en-US" sz="4000" dirty="0" smtClean="0">
                 <a:latin typeface="나눔바른고딕" panose="020B0603020101020101" pitchFamily="50" charset="-127"/>
                 <a:ea typeface="나눔바른고딕" panose="020B0603020101020101" pitchFamily="50" charset="-127"/>
               </a:rPr>
-              <a:t>SDN </a:t>
-            </a:r>
-            <a:r>
-              <a:rPr lang="ko-KR" altLang="en-US" sz="4800" dirty="0">
-                <a:latin typeface="나눔바른고딕" panose="020B0603020101020101" pitchFamily="50" charset="-127"/>
-                <a:ea typeface="나눔바른고딕" panose="020B0603020101020101" pitchFamily="50" charset="-127"/>
-              </a:rPr>
-              <a:t>기반 </a:t>
-            </a:r>
-            <a:endParaRPr lang="en-US" altLang="ko-KR" sz="4800" dirty="0" smtClean="0">
-              <a:latin typeface="나눔바른고딕" panose="020B0603020101020101" pitchFamily="50" charset="-127"/>
-              <a:ea typeface="나눔바른고딕" panose="020B0603020101020101" pitchFamily="50" charset="-127"/>
-            </a:endParaRPr>
-          </a:p>
-          <a:p>
-            <a:r>
-              <a:rPr lang="ko-KR" altLang="en-US" sz="4800" dirty="0" smtClean="0">
-                <a:latin typeface="나눔바른고딕" panose="020B0603020101020101" pitchFamily="50" charset="-127"/>
-                <a:ea typeface="나눔바른고딕" panose="020B0603020101020101" pitchFamily="50" charset="-127"/>
-              </a:rPr>
-              <a:t>다중 </a:t>
-            </a:r>
-            <a:r>
-              <a:rPr lang="ko-KR" altLang="en-US" sz="4800" dirty="0">
-                <a:latin typeface="나눔바른고딕" panose="020B0603020101020101" pitchFamily="50" charset="-127"/>
-                <a:ea typeface="나눔바른고딕" panose="020B0603020101020101" pitchFamily="50" charset="-127"/>
-              </a:rPr>
-              <a:t>무선 네트워크에서의 </a:t>
-            </a:r>
-            <a:r>
-              <a:rPr lang="en-US" altLang="ko-KR" sz="4800" dirty="0" err="1">
-                <a:latin typeface="나눔바른고딕" panose="020B0603020101020101" pitchFamily="50" charset="-127"/>
-                <a:ea typeface="나눔바른고딕" panose="020B0603020101020101" pitchFamily="50" charset="-127"/>
-              </a:rPr>
-              <a:t>QoS</a:t>
-            </a:r>
-            <a:r>
-              <a:rPr lang="en-US" altLang="ko-KR" sz="4800" dirty="0">
-                <a:latin typeface="나눔바른고딕" panose="020B0603020101020101" pitchFamily="50" charset="-127"/>
-                <a:ea typeface="나눔바른고딕" panose="020B0603020101020101" pitchFamily="50" charset="-127"/>
-              </a:rPr>
-              <a:t>/</a:t>
-            </a:r>
-            <a:r>
-              <a:rPr lang="en-US" altLang="ko-KR" sz="4800" dirty="0" err="1">
-                <a:latin typeface="나눔바른고딕" panose="020B0603020101020101" pitchFamily="50" charset="-127"/>
-                <a:ea typeface="나눔바른고딕" panose="020B0603020101020101" pitchFamily="50" charset="-127"/>
-              </a:rPr>
-              <a:t>QoE</a:t>
-            </a:r>
-            <a:r>
-              <a:rPr lang="ko-KR" altLang="en-US" sz="4800" dirty="0">
-                <a:latin typeface="나눔바른고딕" panose="020B0603020101020101" pitchFamily="50" charset="-127"/>
-                <a:ea typeface="나눔바른고딕" panose="020B0603020101020101" pitchFamily="50" charset="-127"/>
-              </a:rPr>
-              <a:t>를 고려한 </a:t>
-            </a:r>
-            <a:r>
-              <a:rPr lang="ko-KR" altLang="en-US" sz="4800" dirty="0" err="1">
-                <a:latin typeface="나눔바른고딕" panose="020B0603020101020101" pitchFamily="50" charset="-127"/>
-                <a:ea typeface="나눔바른고딕" panose="020B0603020101020101" pitchFamily="50" charset="-127"/>
-              </a:rPr>
-              <a:t>스트리밍</a:t>
-            </a:r>
-            <a:r>
-              <a:rPr lang="ko-KR" altLang="en-US" sz="4800" dirty="0">
-                <a:latin typeface="나눔바른고딕" panose="020B0603020101020101" pitchFamily="50" charset="-127"/>
-                <a:ea typeface="나눔바른고딕" panose="020B0603020101020101" pitchFamily="50" charset="-127"/>
-              </a:rPr>
-              <a:t> 서비스 시스템</a:t>
-            </a:r>
-            <a:endParaRPr lang="ko-KR" altLang="en-US" dirty="0">
+              <a:t>전공 소개서</a:t>
+            </a:r>
+            <a:endParaRPr lang="ko-KR" altLang="en-US" sz="4000" dirty="0">
+              <a:solidFill>
+                <a:srgbClr val="434B56"/>
+              </a:solidFill>
               <a:latin typeface="나눔바른고딕" panose="020B0603020101020101" pitchFamily="50" charset="-127"/>
               <a:ea typeface="나눔바른고딕" panose="020B0603020101020101" pitchFamily="50" charset="-127"/>
             </a:endParaRPr>
@@ -3878,51 +3780,14 @@
       </p:sp>
       <p:cxnSp>
         <p:nvCxnSpPr>
-          <p:cNvPr id="7" name="직선 연결선 6"/>
-          <p:cNvCxnSpPr/>
-          <p:nvPr/>
-        </p:nvCxnSpPr>
-        <p:spPr>
-          <a:xfrm>
-            <a:off x="312516" y="301373"/>
-            <a:ext cx="11535683" cy="0"/>
-          </a:xfrm>
-          <a:prstGeom prst="line">
-            <a:avLst/>
-          </a:prstGeom>
-          <a:ln>
-            <a:solidFill>
-              <a:srgbClr val="606F82">
-                <a:alpha val="50000"/>
-              </a:srgbClr>
-            </a:solidFill>
-          </a:ln>
-        </p:spPr>
-        <p:style>
-          <a:lnRef idx="1">
-            <a:schemeClr val="accent1"/>
-          </a:lnRef>
-          <a:fillRef idx="0">
-            <a:schemeClr val="accent1"/>
-          </a:fillRef>
-          <a:effectRef idx="0">
-            <a:schemeClr val="accent1"/>
-          </a:effectRef>
-          <a:fontRef idx="minor">
-            <a:schemeClr val="tx1"/>
-          </a:fontRef>
-        </p:style>
-      </p:cxnSp>
-      <p:cxnSp>
-        <p:nvCxnSpPr>
-          <p:cNvPr id="8" name="직선 연결선 7"/>
+          <p:cNvPr id="90" name="직선 연결선 89"/>
           <p:cNvCxnSpPr/>
           <p:nvPr/>
         </p:nvCxnSpPr>
         <p:spPr>
           <a:xfrm flipV="1">
-            <a:off x="370391" y="6515100"/>
-            <a:ext cx="11477808" cy="42244"/>
+            <a:off x="229507" y="936132"/>
+            <a:ext cx="11733893" cy="17729"/>
           </a:xfrm>
           <a:prstGeom prst="line">
             <a:avLst/>
@@ -3951,10 +3816,441 @@
           </a:fontRef>
         </p:style>
       </p:cxnSp>
+      <p:sp>
+        <p:nvSpPr>
+          <p:cNvPr id="11" name="TextBox 10"/>
+          <p:cNvSpPr txBox="1"/>
+          <p:nvPr/>
+        </p:nvSpPr>
+        <p:spPr>
+          <a:xfrm>
+            <a:off x="425689" y="1020858"/>
+            <a:ext cx="5357342" cy="461665"/>
+          </a:xfrm>
+          <a:prstGeom prst="rect">
+            <a:avLst/>
+          </a:prstGeom>
+          <a:noFill/>
+        </p:spPr>
+        <p:txBody>
+          <a:bodyPr wrap="square" rtlCol="0">
+            <a:spAutoFit/>
+          </a:bodyPr>
+          <a:lstStyle/>
+          <a:p>
+            <a:r>
+              <a:rPr lang="en-US" altLang="ko-KR" sz="2400" dirty="0" smtClean="0">
+                <a:latin typeface="나눔바른고딕" panose="020B0603020101020101" pitchFamily="50" charset="-127"/>
+                <a:ea typeface="나눔바른고딕" panose="020B0603020101020101" pitchFamily="50" charset="-127"/>
+              </a:rPr>
+              <a:t>MCN Lab</a:t>
+            </a:r>
+            <a:endParaRPr lang="en-US" altLang="ko-KR" sz="2400" dirty="0" smtClean="0">
+              <a:latin typeface="나눔바른고딕" panose="020B0603020101020101" pitchFamily="50" charset="-127"/>
+              <a:ea typeface="나눔바른고딕" panose="020B0603020101020101" pitchFamily="50" charset="-127"/>
+            </a:endParaRPr>
+          </a:p>
+        </p:txBody>
+      </p:sp>
+      <p:sp>
+        <p:nvSpPr>
+          <p:cNvPr id="12" name="TextBox 11"/>
+          <p:cNvSpPr txBox="1"/>
+          <p:nvPr/>
+        </p:nvSpPr>
+        <p:spPr>
+          <a:xfrm>
+            <a:off x="1055759" y="1508867"/>
+            <a:ext cx="9220355" cy="584775"/>
+          </a:xfrm>
+          <a:prstGeom prst="rect">
+            <a:avLst/>
+          </a:prstGeom>
+          <a:noFill/>
+        </p:spPr>
+        <p:txBody>
+          <a:bodyPr wrap="square" rtlCol="0">
+            <a:spAutoFit/>
+          </a:bodyPr>
+          <a:lstStyle/>
+          <a:p>
+            <a:pPr marL="285750" indent="-285750">
+              <a:buFont typeface="Wingdings" panose="05000000000000000000" pitchFamily="2" charset="2"/>
+              <a:buChar char="§"/>
+            </a:pPr>
+            <a:r>
+              <a:rPr lang="en-US" altLang="ko-KR" sz="1600" dirty="0" smtClean="0">
+                <a:latin typeface="나눔바른고딕" panose="020B0603020101020101" pitchFamily="50" charset="-127"/>
+                <a:ea typeface="나눔바른고딕" panose="020B0603020101020101" pitchFamily="50" charset="-127"/>
+              </a:rPr>
+              <a:t>Media Computing &amp; Networking Laboratory</a:t>
+            </a:r>
+          </a:p>
+          <a:p>
+            <a:pPr marL="285750" indent="-285750">
+              <a:buFont typeface="Wingdings" panose="05000000000000000000" pitchFamily="2" charset="2"/>
+              <a:buChar char="§"/>
+            </a:pPr>
+            <a:r>
+              <a:rPr lang="ko-KR" altLang="en-US" sz="1600" dirty="0" err="1" smtClean="0">
+                <a:latin typeface="나눔바른고딕" panose="020B0603020101020101" pitchFamily="50" charset="-127"/>
+                <a:ea typeface="나눔바른고딕" panose="020B0603020101020101" pitchFamily="50" charset="-127"/>
+              </a:rPr>
+              <a:t>송황준</a:t>
+            </a:r>
+            <a:r>
+              <a:rPr lang="ko-KR" altLang="en-US" sz="1600" dirty="0" smtClean="0">
+                <a:latin typeface="나눔바른고딕" panose="020B0603020101020101" pitchFamily="50" charset="-127"/>
+                <a:ea typeface="나눔바른고딕" panose="020B0603020101020101" pitchFamily="50" charset="-127"/>
+              </a:rPr>
+              <a:t> 교수님</a:t>
+            </a:r>
+            <a:endParaRPr lang="en-US" altLang="ko-KR" sz="1600" dirty="0" smtClean="0">
+              <a:latin typeface="나눔바른고딕" panose="020B0603020101020101" pitchFamily="50" charset="-127"/>
+              <a:ea typeface="나눔바른고딕" panose="020B0603020101020101" pitchFamily="50" charset="-127"/>
+            </a:endParaRPr>
+          </a:p>
+        </p:txBody>
+      </p:sp>
+      <p:sp>
+        <p:nvSpPr>
+          <p:cNvPr id="13" name="TextBox 12"/>
+          <p:cNvSpPr txBox="1"/>
+          <p:nvPr/>
+        </p:nvSpPr>
+        <p:spPr>
+          <a:xfrm>
+            <a:off x="447463" y="2232797"/>
+            <a:ext cx="5357342" cy="461665"/>
+          </a:xfrm>
+          <a:prstGeom prst="rect">
+            <a:avLst/>
+          </a:prstGeom>
+          <a:noFill/>
+        </p:spPr>
+        <p:txBody>
+          <a:bodyPr wrap="square" rtlCol="0">
+            <a:spAutoFit/>
+          </a:bodyPr>
+          <a:lstStyle/>
+          <a:p>
+            <a:r>
+              <a:rPr lang="ko-KR" altLang="en-US" sz="2400" dirty="0" smtClean="0">
+                <a:latin typeface="나눔바른고딕" panose="020B0603020101020101" pitchFamily="50" charset="-127"/>
+                <a:ea typeface="나눔바른고딕" panose="020B0603020101020101" pitchFamily="50" charset="-127"/>
+              </a:rPr>
+              <a:t>전공 학업 내역</a:t>
+            </a:r>
+            <a:endParaRPr lang="en-US" altLang="ko-KR" sz="2400" dirty="0" smtClean="0">
+              <a:latin typeface="나눔바른고딕" panose="020B0603020101020101" pitchFamily="50" charset="-127"/>
+              <a:ea typeface="나눔바른고딕" panose="020B0603020101020101" pitchFamily="50" charset="-127"/>
+            </a:endParaRPr>
+          </a:p>
+        </p:txBody>
+      </p:sp>
+      <p:sp>
+        <p:nvSpPr>
+          <p:cNvPr id="14" name="TextBox 13"/>
+          <p:cNvSpPr txBox="1"/>
+          <p:nvPr/>
+        </p:nvSpPr>
+        <p:spPr>
+          <a:xfrm>
+            <a:off x="1077533" y="2691778"/>
+            <a:ext cx="4435343" cy="830997"/>
+          </a:xfrm>
+          <a:prstGeom prst="rect">
+            <a:avLst/>
+          </a:prstGeom>
+          <a:noFill/>
+        </p:spPr>
+        <p:txBody>
+          <a:bodyPr wrap="square" rtlCol="0">
+            <a:spAutoFit/>
+          </a:bodyPr>
+          <a:lstStyle/>
+          <a:p>
+            <a:pPr marL="285750" indent="-285750">
+              <a:buFont typeface="Wingdings" panose="05000000000000000000" pitchFamily="2" charset="2"/>
+              <a:buChar char="§"/>
+            </a:pPr>
+            <a:r>
+              <a:rPr lang="ko-KR" altLang="en-US" sz="1600" dirty="0" smtClean="0">
+                <a:latin typeface="나눔바른고딕" panose="020B0603020101020101" pitchFamily="50" charset="-127"/>
+                <a:ea typeface="나눔바른고딕" panose="020B0603020101020101" pitchFamily="50" charset="-127"/>
+              </a:rPr>
+              <a:t>컴퓨터보안</a:t>
+            </a:r>
+            <a:endParaRPr lang="en-US" altLang="ko-KR" sz="1600" dirty="0" smtClean="0">
+              <a:latin typeface="나눔바른고딕" panose="020B0603020101020101" pitchFamily="50" charset="-127"/>
+              <a:ea typeface="나눔바른고딕" panose="020B0603020101020101" pitchFamily="50" charset="-127"/>
+            </a:endParaRPr>
+          </a:p>
+          <a:p>
+            <a:pPr marL="285750" indent="-285750">
+              <a:buFont typeface="Wingdings" panose="05000000000000000000" pitchFamily="2" charset="2"/>
+              <a:buChar char="§"/>
+            </a:pPr>
+            <a:r>
+              <a:rPr lang="ko-KR" altLang="en-US" sz="1600" dirty="0" smtClean="0">
+                <a:latin typeface="나눔바른고딕" panose="020B0603020101020101" pitchFamily="50" charset="-127"/>
+                <a:ea typeface="나눔바른고딕" panose="020B0603020101020101" pitchFamily="50" charset="-127"/>
+              </a:rPr>
+              <a:t>컴퓨터공학세미나</a:t>
+            </a:r>
+            <a:r>
+              <a:rPr lang="en-US" altLang="ko-KR" sz="1600" dirty="0" smtClean="0">
+                <a:latin typeface="나눔바른고딕" panose="020B0603020101020101" pitchFamily="50" charset="-127"/>
+                <a:ea typeface="나눔바른고딕" panose="020B0603020101020101" pitchFamily="50" charset="-127"/>
+              </a:rPr>
+              <a:t>A</a:t>
+            </a:r>
+          </a:p>
+          <a:p>
+            <a:pPr marL="285750" indent="-285750">
+              <a:buFont typeface="Wingdings" panose="05000000000000000000" pitchFamily="2" charset="2"/>
+              <a:buChar char="§"/>
+            </a:pPr>
+            <a:r>
+              <a:rPr lang="ko-KR" altLang="en-US" sz="1600" dirty="0" smtClean="0">
+                <a:latin typeface="나눔바른고딕" panose="020B0603020101020101" pitchFamily="50" charset="-127"/>
+                <a:ea typeface="나눔바른고딕" panose="020B0603020101020101" pitchFamily="50" charset="-127"/>
+              </a:rPr>
+              <a:t>박사논문연구</a:t>
+            </a:r>
+            <a:endParaRPr lang="en-US" altLang="ko-KR" sz="1600" dirty="0" smtClean="0">
+              <a:latin typeface="나눔바른고딕" panose="020B0603020101020101" pitchFamily="50" charset="-127"/>
+              <a:ea typeface="나눔바른고딕" panose="020B0603020101020101" pitchFamily="50" charset="-127"/>
+            </a:endParaRPr>
+          </a:p>
+        </p:txBody>
+      </p:sp>
+      <p:sp>
+        <p:nvSpPr>
+          <p:cNvPr id="15" name="TextBox 14"/>
+          <p:cNvSpPr txBox="1"/>
+          <p:nvPr/>
+        </p:nvSpPr>
+        <p:spPr>
+          <a:xfrm>
+            <a:off x="425689" y="3720513"/>
+            <a:ext cx="5357342" cy="461665"/>
+          </a:xfrm>
+          <a:prstGeom prst="rect">
+            <a:avLst/>
+          </a:prstGeom>
+          <a:noFill/>
+        </p:spPr>
+        <p:txBody>
+          <a:bodyPr wrap="square" rtlCol="0">
+            <a:spAutoFit/>
+          </a:bodyPr>
+          <a:lstStyle/>
+          <a:p>
+            <a:r>
+              <a:rPr lang="ko-KR" altLang="en-US" sz="2400" dirty="0" smtClean="0">
+                <a:latin typeface="나눔바른고딕" panose="020B0603020101020101" pitchFamily="50" charset="-127"/>
+                <a:ea typeface="나눔바른고딕" panose="020B0603020101020101" pitchFamily="50" charset="-127"/>
+              </a:rPr>
+              <a:t>수행프로젝트</a:t>
+            </a:r>
+            <a:endParaRPr lang="en-US" altLang="ko-KR" sz="2400" dirty="0" smtClean="0">
+              <a:latin typeface="나눔바른고딕" panose="020B0603020101020101" pitchFamily="50" charset="-127"/>
+              <a:ea typeface="나눔바른고딕" panose="020B0603020101020101" pitchFamily="50" charset="-127"/>
+            </a:endParaRPr>
+          </a:p>
+        </p:txBody>
+      </p:sp>
+      <p:sp>
+        <p:nvSpPr>
+          <p:cNvPr id="16" name="TextBox 15"/>
+          <p:cNvSpPr txBox="1"/>
+          <p:nvPr/>
+        </p:nvSpPr>
+        <p:spPr>
+          <a:xfrm>
+            <a:off x="1055758" y="4208522"/>
+            <a:ext cx="7928585" cy="338554"/>
+          </a:xfrm>
+          <a:prstGeom prst="rect">
+            <a:avLst/>
+          </a:prstGeom>
+          <a:noFill/>
+        </p:spPr>
+        <p:txBody>
+          <a:bodyPr wrap="square" rtlCol="0">
+            <a:spAutoFit/>
+          </a:bodyPr>
+          <a:lstStyle/>
+          <a:p>
+            <a:pPr marL="285750" indent="-285750">
+              <a:buFont typeface="Wingdings" panose="05000000000000000000" pitchFamily="2" charset="2"/>
+              <a:buChar char="§"/>
+            </a:pPr>
+            <a:r>
+              <a:rPr lang="ko-KR" altLang="en-US" sz="1600" dirty="0">
+                <a:latin typeface="나눔바른고딕" panose="020B0603020101020101" pitchFamily="50" charset="-127"/>
+                <a:ea typeface="나눔바른고딕" panose="020B0603020101020101" pitchFamily="50" charset="-127"/>
+              </a:rPr>
+              <a:t>유무선 통합 네트워크에서 접속 방식에 독립적인 차세대 네트워킹 기술 </a:t>
+            </a:r>
+            <a:r>
+              <a:rPr lang="ko-KR" altLang="en-US" sz="1600" dirty="0" smtClean="0">
+                <a:latin typeface="나눔바른고딕" panose="020B0603020101020101" pitchFamily="50" charset="-127"/>
+                <a:ea typeface="나눔바른고딕" panose="020B0603020101020101" pitchFamily="50" charset="-127"/>
+              </a:rPr>
+              <a:t>개발 </a:t>
+            </a:r>
+            <a:r>
+              <a:rPr lang="en-US" altLang="ko-KR" sz="1600" dirty="0" smtClean="0">
+                <a:latin typeface="나눔바른고딕" panose="020B0603020101020101" pitchFamily="50" charset="-127"/>
+                <a:ea typeface="나눔바른고딕" panose="020B0603020101020101" pitchFamily="50" charset="-127"/>
+              </a:rPr>
+              <a:t>4</a:t>
+            </a:r>
+            <a:r>
+              <a:rPr lang="ko-KR" altLang="en-US" sz="1600" dirty="0" smtClean="0">
+                <a:latin typeface="나눔바른고딕" panose="020B0603020101020101" pitchFamily="50" charset="-127"/>
+                <a:ea typeface="나눔바른고딕" panose="020B0603020101020101" pitchFamily="50" charset="-127"/>
+              </a:rPr>
+              <a:t>차 년도</a:t>
+            </a:r>
+            <a:endParaRPr lang="en-US" altLang="ko-KR" sz="1600" dirty="0" smtClean="0">
+              <a:latin typeface="나눔바른고딕" panose="020B0603020101020101" pitchFamily="50" charset="-127"/>
+              <a:ea typeface="나눔바른고딕" panose="020B0603020101020101" pitchFamily="50" charset="-127"/>
+            </a:endParaRPr>
+          </a:p>
+        </p:txBody>
+      </p:sp>
+      <p:sp>
+        <p:nvSpPr>
+          <p:cNvPr id="17" name="TextBox 16"/>
+          <p:cNvSpPr txBox="1"/>
+          <p:nvPr/>
+        </p:nvSpPr>
+        <p:spPr>
+          <a:xfrm>
+            <a:off x="425689" y="4751698"/>
+            <a:ext cx="5357342" cy="461665"/>
+          </a:xfrm>
+          <a:prstGeom prst="rect">
+            <a:avLst/>
+          </a:prstGeom>
+          <a:noFill/>
+        </p:spPr>
+        <p:txBody>
+          <a:bodyPr wrap="square" rtlCol="0">
+            <a:spAutoFit/>
+          </a:bodyPr>
+          <a:lstStyle/>
+          <a:p>
+            <a:r>
+              <a:rPr lang="ko-KR" altLang="en-US" sz="2400" dirty="0" smtClean="0">
+                <a:latin typeface="나눔바른고딕" panose="020B0603020101020101" pitchFamily="50" charset="-127"/>
+                <a:ea typeface="나눔바른고딕" panose="020B0603020101020101" pitchFamily="50" charset="-127"/>
+              </a:rPr>
+              <a:t>논문</a:t>
+            </a:r>
+            <a:endParaRPr lang="en-US" altLang="ko-KR" sz="2400" dirty="0" smtClean="0">
+              <a:latin typeface="나눔바른고딕" panose="020B0603020101020101" pitchFamily="50" charset="-127"/>
+              <a:ea typeface="나눔바른고딕" panose="020B0603020101020101" pitchFamily="50" charset="-127"/>
+            </a:endParaRPr>
+          </a:p>
+        </p:txBody>
+      </p:sp>
+      <p:sp>
+        <p:nvSpPr>
+          <p:cNvPr id="18" name="TextBox 17"/>
+          <p:cNvSpPr txBox="1"/>
+          <p:nvPr/>
+        </p:nvSpPr>
+        <p:spPr>
+          <a:xfrm>
+            <a:off x="1055759" y="5239707"/>
+            <a:ext cx="8320470" cy="338554"/>
+          </a:xfrm>
+          <a:prstGeom prst="rect">
+            <a:avLst/>
+          </a:prstGeom>
+          <a:noFill/>
+        </p:spPr>
+        <p:txBody>
+          <a:bodyPr wrap="square" rtlCol="0">
+            <a:spAutoFit/>
+          </a:bodyPr>
+          <a:lstStyle/>
+          <a:p>
+            <a:pPr marL="285750" indent="-285750">
+              <a:buFont typeface="Wingdings" panose="05000000000000000000" pitchFamily="2" charset="2"/>
+              <a:buChar char="§"/>
+            </a:pPr>
+            <a:r>
+              <a:rPr lang="en-US" altLang="ko-KR" sz="1600" dirty="0">
+                <a:latin typeface="나눔바른고딕" panose="020B0603020101020101" pitchFamily="50" charset="-127"/>
+                <a:ea typeface="나눔바른고딕" panose="020B0603020101020101" pitchFamily="50" charset="-127"/>
+              </a:rPr>
+              <a:t>SDN </a:t>
+            </a:r>
+            <a:r>
+              <a:rPr lang="ko-KR" altLang="en-US" sz="1600" dirty="0">
+                <a:latin typeface="나눔바른고딕" panose="020B0603020101020101" pitchFamily="50" charset="-127"/>
+                <a:ea typeface="나눔바른고딕" panose="020B0603020101020101" pitchFamily="50" charset="-127"/>
+              </a:rPr>
+              <a:t>기반 </a:t>
+            </a:r>
+            <a:r>
+              <a:rPr lang="ko-KR" altLang="en-US" sz="1600" dirty="0" smtClean="0">
+                <a:latin typeface="나눔바른고딕" panose="020B0603020101020101" pitchFamily="50" charset="-127"/>
+                <a:ea typeface="나눔바른고딕" panose="020B0603020101020101" pitchFamily="50" charset="-127"/>
+              </a:rPr>
+              <a:t>다중 </a:t>
+            </a:r>
+            <a:r>
+              <a:rPr lang="ko-KR" altLang="en-US" sz="1600" dirty="0">
+                <a:latin typeface="나눔바른고딕" panose="020B0603020101020101" pitchFamily="50" charset="-127"/>
+                <a:ea typeface="나눔바른고딕" panose="020B0603020101020101" pitchFamily="50" charset="-127"/>
+              </a:rPr>
+              <a:t>무선 네트워크에서의 </a:t>
+            </a:r>
+            <a:r>
+              <a:rPr lang="en-US" altLang="ko-KR" sz="1600" dirty="0" err="1">
+                <a:latin typeface="나눔바른고딕" panose="020B0603020101020101" pitchFamily="50" charset="-127"/>
+                <a:ea typeface="나눔바른고딕" panose="020B0603020101020101" pitchFamily="50" charset="-127"/>
+              </a:rPr>
+              <a:t>QoS</a:t>
+            </a:r>
+            <a:r>
+              <a:rPr lang="en-US" altLang="ko-KR" sz="1600" dirty="0">
+                <a:latin typeface="나눔바른고딕" panose="020B0603020101020101" pitchFamily="50" charset="-127"/>
+                <a:ea typeface="나눔바른고딕" panose="020B0603020101020101" pitchFamily="50" charset="-127"/>
+              </a:rPr>
+              <a:t>/</a:t>
+            </a:r>
+            <a:r>
+              <a:rPr lang="en-US" altLang="ko-KR" sz="1600" dirty="0" err="1">
+                <a:latin typeface="나눔바른고딕" panose="020B0603020101020101" pitchFamily="50" charset="-127"/>
+                <a:ea typeface="나눔바른고딕" panose="020B0603020101020101" pitchFamily="50" charset="-127"/>
+              </a:rPr>
+              <a:t>QoE</a:t>
+            </a:r>
+            <a:r>
+              <a:rPr lang="ko-KR" altLang="en-US" sz="1600" dirty="0">
+                <a:latin typeface="나눔바른고딕" panose="020B0603020101020101" pitchFamily="50" charset="-127"/>
+                <a:ea typeface="나눔바른고딕" panose="020B0603020101020101" pitchFamily="50" charset="-127"/>
+              </a:rPr>
+              <a:t>를 고려한 스트리밍 서비스 시스템</a:t>
+            </a:r>
+            <a:endParaRPr lang="en-US" altLang="ko-KR" sz="1600" dirty="0" smtClean="0">
+              <a:latin typeface="나눔바른고딕" panose="020B0603020101020101" pitchFamily="50" charset="-127"/>
+              <a:ea typeface="나눔바른고딕" panose="020B0603020101020101" pitchFamily="50" charset="-127"/>
+            </a:endParaRPr>
+          </a:p>
+        </p:txBody>
+      </p:sp>
     </p:spTree>
     <p:extLst>
       <p:ext uri="{BB962C8B-B14F-4D97-AF65-F5344CB8AC3E}">
-        <p14:creationId xmlns:p14="http://schemas.microsoft.com/office/powerpoint/2010/main" val="1344246741"/>
+        <p14:creationId xmlns:p14="http://schemas.microsoft.com/office/powerpoint/2010/main" val="1137550806"/>
       </p:ext>
     </p:extLst>
   </p:cSld>
@@ -4031,14 +4327,18 @@
           </a:lstStyle>
           <a:p>
             <a:r>
-              <a:rPr lang="en-US" altLang="ko-KR" sz="4000" dirty="0" smtClean="0">
-                <a:solidFill>
-                  <a:srgbClr val="434B56"/>
-                </a:solidFill>
+              <a:rPr lang="ko-KR" altLang="en-US" sz="4000" dirty="0" smtClean="0">
                 <a:latin typeface="나눔바른고딕" panose="020B0603020101020101" pitchFamily="50" charset="-127"/>
                 <a:ea typeface="나눔바른고딕" panose="020B0603020101020101" pitchFamily="50" charset="-127"/>
               </a:rPr>
-              <a:t>Introduction</a:t>
+              <a:t>논문 </a:t>
+            </a:r>
+            <a:r>
+              <a:rPr lang="en-US" altLang="ko-KR" sz="4000" dirty="0" smtClean="0">
+                <a:latin typeface="나눔바른고딕" panose="020B0603020101020101" pitchFamily="50" charset="-127"/>
+                <a:ea typeface="나눔바른고딕" panose="020B0603020101020101" pitchFamily="50" charset="-127"/>
+              </a:rPr>
+              <a:t>- Introduction</a:t>
             </a:r>
             <a:endParaRPr lang="ko-KR" altLang="en-US" sz="4000" dirty="0">
               <a:solidFill>
@@ -4088,58 +4388,6 @@
           </a:fontRef>
         </p:style>
       </p:cxnSp>
-      <p:sp>
-        <p:nvSpPr>
-          <p:cNvPr id="121" name="제목 1"/>
-          <p:cNvSpPr txBox="1">
-            <a:spLocks/>
-          </p:cNvSpPr>
-          <p:nvPr/>
-        </p:nvSpPr>
-        <p:spPr>
-          <a:xfrm>
-            <a:off x="6678835" y="0"/>
-            <a:ext cx="5202016" cy="936132"/>
-          </a:xfrm>
-          <a:prstGeom prst="rect">
-            <a:avLst/>
-          </a:prstGeom>
-          <a:noFill/>
-        </p:spPr>
-        <p:txBody>
-          <a:bodyPr vert="horz" lIns="91440" tIns="45720" rIns="91440" bIns="45720" rtlCol="0" anchor="b">
-            <a:normAutofit/>
-          </a:bodyPr>
-          <a:lstStyle>
-            <a:lvl1pPr algn="ctr" defTabSz="914400" rtl="0" eaLnBrk="1" latinLnBrk="1" hangingPunct="1">
-              <a:lnSpc>
-                <a:spcPct val="90000"/>
-              </a:lnSpc>
-              <a:spcBef>
-                <a:spcPct val="0"/>
-              </a:spcBef>
-              <a:buNone/>
-              <a:defRPr sz="6000" kern="1200">
-                <a:solidFill>
-                  <a:schemeClr val="tx1"/>
-                </a:solidFill>
-                <a:latin typeface="+mj-lt"/>
-                <a:ea typeface="+mj-ea"/>
-                <a:cs typeface="+mj-cs"/>
-              </a:defRPr>
-            </a:lvl1pPr>
-          </a:lstStyle>
-          <a:p>
-            <a:endParaRPr lang="ko-KR" altLang="en-US" sz="4000" dirty="0">
-              <a:solidFill>
-                <a:srgbClr val="434B56"/>
-              </a:solidFill>
-              <a:latin typeface="나눔바른고딕" panose="020B0603020101020101" pitchFamily="50" charset="-127"/>
-              <a:ea typeface="나눔바른고딕" panose="020B0603020101020101" pitchFamily="50" charset="-127"/>
-            </a:endParaRPr>
-          </a:p>
-        </p:txBody>
-      </p:sp>
       <p:sp>
         <p:nvSpPr>
           <p:cNvPr id="52" name="직사각형 51"/>
@@ -4492,14 +4740,7 @@
                 <a:latin typeface="나눔바른고딕" panose="020B0603020101020101" pitchFamily="50" charset="-127"/>
                 <a:ea typeface="나눔바른고딕" panose="020B0603020101020101" pitchFamily="50" charset="-127"/>
               </a:rPr>
-              <a:t>조절 </a:t>
-            </a:r>
-            <a:r>
-              <a:rPr lang="ko-KR" altLang="en-US" dirty="0" smtClean="0">
-                <a:latin typeface="나눔바른고딕" panose="020B0603020101020101" pitchFamily="50" charset="-127"/>
-                <a:ea typeface="나눔바른고딕" panose="020B0603020101020101" pitchFamily="50" charset="-127"/>
-              </a:rPr>
-              <a:t>및 </a:t>
+              <a:t>조절 및 </a:t>
             </a:r>
             <a:r>
               <a:rPr lang="en-US" altLang="ko-KR" dirty="0" smtClean="0">
@@ -4515,17 +4756,13 @@
               </a:rPr>
               <a:t>수행</a:t>
             </a:r>
-            <a:endParaRPr lang="ko-KR" altLang="en-US" dirty="0" smtClean="0">
-              <a:latin typeface="나눔바른고딕" panose="020B0603020101020101" pitchFamily="50" charset="-127"/>
-              <a:ea typeface="나눔바른고딕" panose="020B0603020101020101" pitchFamily="50" charset="-127"/>
-            </a:endParaRPr>
           </a:p>
         </p:txBody>
       </p:sp>
     </p:spTree>
     <p:extLst>
       <p:ext uri="{BB962C8B-B14F-4D97-AF65-F5344CB8AC3E}">
-        <p14:creationId xmlns:p14="http://schemas.microsoft.com/office/powerpoint/2010/main" val="1137550806"/>
+        <p14:creationId xmlns:p14="http://schemas.microsoft.com/office/powerpoint/2010/main" val="2371648388"/>
       </p:ext>
     </p:extLst>
   </p:cSld>
@@ -4579,7 +4816,7 @@
         </p:spPr>
         <p:txBody>
           <a:bodyPr vert="horz" lIns="91440" tIns="45720" rIns="91440" bIns="45720" rtlCol="0" anchor="b">
-            <a:normAutofit/>
+            <a:normAutofit fontScale="92500" lnSpcReduction="20000"/>
           </a:bodyPr>
           <a:lstStyle>
             <a:lvl1pPr algn="ctr" defTabSz="914400" rtl="0" eaLnBrk="1" latinLnBrk="1" hangingPunct="1">
@@ -4602,6 +4839,20 @@
           </a:lstStyle>
           <a:p>
             <a:r>
+              <a:rPr lang="ko-KR" altLang="en-US" sz="4000" dirty="0">
+                <a:latin typeface="나눔바른고딕" panose="020B0603020101020101" pitchFamily="50" charset="-127"/>
+                <a:ea typeface="나눔바른고딕" panose="020B0603020101020101" pitchFamily="50" charset="-127"/>
+              </a:rPr>
+              <a:t>논문 </a:t>
+            </a:r>
+            <a:r>
+              <a:rPr lang="en-US" altLang="ko-KR" sz="4000" dirty="0">
+                <a:latin typeface="나눔바른고딕" panose="020B0603020101020101" pitchFamily="50" charset="-127"/>
+                <a:ea typeface="나눔바른고딕" panose="020B0603020101020101" pitchFamily="50" charset="-127"/>
+              </a:rPr>
+              <a:t>- </a:t>
+            </a:r>
+            <a:r>
               <a:rPr lang="en-US" altLang="ko-KR" sz="4000" dirty="0" smtClean="0">
                 <a:solidFill>
                   <a:srgbClr val="434B56"/>
@@ -4609,7 +4860,17 @@
                 <a:latin typeface="나눔바른고딕" panose="020B0603020101020101" pitchFamily="50" charset="-127"/>
                 <a:ea typeface="나눔바른고딕" panose="020B0603020101020101" pitchFamily="50" charset="-127"/>
               </a:rPr>
-              <a:t>System Architecture</a:t>
+              <a:t>System </a:t>
+            </a:r>
+            <a:r>
+              <a:rPr lang="en-US" altLang="ko-KR" sz="4000" dirty="0" smtClean="0">
+                <a:solidFill>
+                  <a:srgbClr val="434B56"/>
+                </a:solidFill>
+                <a:latin typeface="나눔바른고딕" panose="020B0603020101020101" pitchFamily="50" charset="-127"/>
+                <a:ea typeface="나눔바른고딕" panose="020B0603020101020101" pitchFamily="50" charset="-127"/>
+              </a:rPr>
+              <a:t>Architecture</a:t>
             </a:r>
             <a:endParaRPr lang="ko-KR" altLang="en-US" sz="4000" dirty="0">
               <a:solidFill>
@@ -4817,10 +5078,6 @@
               </a:rPr>
               <a:t>AP Agent</a:t>
             </a:r>
-            <a:endParaRPr lang="en-US" altLang="ko-KR" sz="2400" dirty="0" smtClean="0">
-              <a:latin typeface="나눔바른고딕" panose="020B0603020101020101" pitchFamily="50" charset="-127"/>
-              <a:ea typeface="나눔바른고딕" panose="020B0603020101020101" pitchFamily="50" charset="-127"/>
-            </a:endParaRPr>
           </a:p>
         </p:txBody>
       </p:sp>
@@ -5135,14 +5392,7 @@
                 <a:latin typeface="나눔바른고딕" panose="020B0603020101020101" pitchFamily="50" charset="-127"/>
                 <a:ea typeface="나눔바른고딕" panose="020B0603020101020101" pitchFamily="50" charset="-127"/>
               </a:rPr>
-              <a:t>조절에 필요한 정보들 </a:t>
-            </a:r>
-            <a:r>
-              <a:rPr lang="ko-KR" altLang="en-US" sz="1400" dirty="0" smtClean="0">
-                <a:latin typeface="나눔바른고딕" panose="020B0603020101020101" pitchFamily="50" charset="-127"/>
-                <a:ea typeface="나눔바른고딕" panose="020B0603020101020101" pitchFamily="50" charset="-127"/>
-              </a:rPr>
-              <a:t> 수집</a:t>
+              <a:t>조절에 필요한 정보들  수집</a:t>
             </a:r>
             <a:r>
               <a:rPr lang="en-US" altLang="ko-KR" sz="1400" dirty="0" smtClean="0">
@@ -6971,10 +7221,6 @@
               </a:rPr>
               <a:t>Media Server</a:t>
             </a:r>
-            <a:endParaRPr lang="en-US" altLang="ko-KR" sz="2400" dirty="0" smtClean="0">
-              <a:latin typeface="나눔바른고딕" panose="020B0603020101020101" pitchFamily="50" charset="-127"/>
-              <a:ea typeface="나눔바른고딕" panose="020B0603020101020101" pitchFamily="50" charset="-127"/>
-            </a:endParaRPr>
           </a:p>
         </p:txBody>
       </p:sp>
@@ -7039,10 +7285,6 @@
               </a:rPr>
               <a:t>미디어 파일 저장</a:t>
             </a:r>
-            <a:endParaRPr lang="ko-KR" altLang="en-US" sz="1400" dirty="0" smtClean="0">
-              <a:latin typeface="나눔바른고딕" panose="020B0603020101020101" pitchFamily="50" charset="-127"/>
-              <a:ea typeface="나눔바른고딕" panose="020B0603020101020101" pitchFamily="50" charset="-127"/>
-            </a:endParaRPr>
           </a:p>
         </p:txBody>
       </p:sp>
@@ -7103,7 +7345,7 @@
         </p:spPr>
         <p:txBody>
           <a:bodyPr vert="horz" lIns="91440" tIns="45720" rIns="91440" bIns="45720" rtlCol="0" anchor="b">
-            <a:normAutofit/>
+            <a:normAutofit fontScale="92500" lnSpcReduction="20000"/>
           </a:bodyPr>
           <a:lstStyle>
             <a:lvl1pPr algn="ctr" defTabSz="914400" rtl="0" eaLnBrk="1" latinLnBrk="1" hangingPunct="1">
@@ -7126,6 +7368,20 @@
           </a:lstStyle>
           <a:p>
             <a:r>
+              <a:rPr lang="ko-KR" altLang="en-US" sz="4000" dirty="0">
+                <a:latin typeface="나눔바른고딕" panose="020B0603020101020101" pitchFamily="50" charset="-127"/>
+                <a:ea typeface="나눔바른고딕" panose="020B0603020101020101" pitchFamily="50" charset="-127"/>
+              </a:rPr>
+              <a:t>논문 </a:t>
+            </a:r>
+            <a:r>
+              <a:rPr lang="en-US" altLang="ko-KR" sz="4000" dirty="0">
+                <a:latin typeface="나눔바른고딕" panose="020B0603020101020101" pitchFamily="50" charset="-127"/>
+                <a:ea typeface="나눔바른고딕" panose="020B0603020101020101" pitchFamily="50" charset="-127"/>
+              </a:rPr>
+              <a:t>- </a:t>
+            </a:r>
+            <a:r>
               <a:rPr lang="en-US" altLang="ko-KR" sz="4000" dirty="0" smtClean="0">
                 <a:solidFill>
                   <a:srgbClr val="434B56"/>
@@ -7133,7 +7389,17 @@
                 <a:latin typeface="나눔바른고딕" panose="020B0603020101020101" pitchFamily="50" charset="-127"/>
                 <a:ea typeface="나눔바른고딕" panose="020B0603020101020101" pitchFamily="50" charset="-127"/>
               </a:rPr>
-              <a:t>Problem Formulation</a:t>
+              <a:t>Problem </a:t>
+            </a:r>
+            <a:r>
+              <a:rPr lang="en-US" altLang="ko-KR" sz="4000" dirty="0" smtClean="0">
+                <a:solidFill>
+                  <a:srgbClr val="434B56"/>
+                </a:solidFill>
+                <a:latin typeface="나눔바른고딕" panose="020B0603020101020101" pitchFamily="50" charset="-127"/>
+                <a:ea typeface="나눔바른고딕" panose="020B0603020101020101" pitchFamily="50" charset="-127"/>
+              </a:rPr>
+              <a:t>Formulation</a:t>
             </a:r>
             <a:endParaRPr lang="ko-KR" altLang="en-US" sz="4000" dirty="0">
               <a:solidFill>
@@ -7303,15 +7569,11 @@
               </a:rPr>
               <a:t>Determine</a:t>
             </a:r>
-            <a:endParaRPr lang="en-US" altLang="ko-KR" sz="2400" dirty="0" smtClean="0">
-              <a:latin typeface="나눔바른고딕" panose="020B0603020101020101" pitchFamily="50" charset="-127"/>
-              <a:ea typeface="나눔바른고딕" panose="020B0603020101020101" pitchFamily="50" charset="-127"/>
-            </a:endParaRPr>
           </a:p>
         </p:txBody>
       </p:sp>
-      <mc:AlternateContent xmlns:mc="http://schemas.openxmlformats.org/markup-compatibility/2006">
-        <mc:Choice xmlns:a14="http://schemas.microsoft.com/office/drawing/2010/main" Requires="a14">
+      <mc:AlternateContent xmlns:mc="http://schemas.openxmlformats.org/markup-compatibility/2006" xmlns:a14="http://schemas.microsoft.com/office/drawing/2010/main">
+        <mc:Choice Requires="a14">
           <p:sp>
             <p:nvSpPr>
               <p:cNvPr id="54" name="TextBox 53"/>
@@ -7345,7 +7607,7 @@
                         <m:chr m:val="⃑"/>
                         <m:ctrlPr>
                           <a:rPr lang="en-US" altLang="ko-KR" b="1" i="1" smtClean="0">
-                            <a:latin typeface="Cambria Math"/>
+                            <a:latin typeface="Cambria Math" panose="02040503050406030204" pitchFamily="18" charset="0"/>
                           </a:rPr>
                         </m:ctrlPr>
                       </m:accPr>
@@ -7354,7 +7616,7 @@
                           <m:sSubPr>
                             <m:ctrlPr>
                               <a:rPr lang="en-US" altLang="ko-KR" b="1" i="1">
-                                <a:latin typeface="Cambria Math"/>
+                                <a:latin typeface="Cambria Math" panose="02040503050406030204" pitchFamily="18" charset="0"/>
                                 <a:cs typeface="Tahoma" panose="020B0604030504040204" pitchFamily="34" charset="0"/>
                               </a:rPr>
                             </m:ctrlPr>
@@ -7392,7 +7654,7 @@
                         <m:endChr m:val="}"/>
                         <m:ctrlPr>
                           <a:rPr lang="en-US" altLang="ko-KR" i="1">
-                            <a:latin typeface="Cambria Math"/>
+                            <a:latin typeface="Cambria Math" panose="02040503050406030204" pitchFamily="18" charset="0"/>
                           </a:rPr>
                         </m:ctrlPr>
                       </m:dPr>
@@ -7401,7 +7663,7 @@
                           <m:sSubPr>
                             <m:ctrlPr>
                               <a:rPr lang="en-US" altLang="ko-KR" i="1">
-                                <a:latin typeface="Cambria Math"/>
+                                <a:latin typeface="Cambria Math" panose="02040503050406030204" pitchFamily="18" charset="0"/>
                               </a:rPr>
                             </m:ctrlPr>
                           </m:sSubPr>
@@ -7438,7 +7700,7 @@
                           <m:sSubPr>
                             <m:ctrlPr>
                               <a:rPr lang="en-US" altLang="ko-KR" i="1">
-                                <a:latin typeface="Cambria Math"/>
+                                <a:latin typeface="Cambria Math" panose="02040503050406030204" pitchFamily="18" charset="0"/>
                               </a:rPr>
                             </m:ctrlPr>
                           </m:sSubPr>
@@ -7481,7 +7743,7 @@
                           <m:sSubPr>
                             <m:ctrlPr>
                               <a:rPr lang="en-US" altLang="ko-KR" i="1">
-                                <a:latin typeface="Cambria Math"/>
+                                <a:latin typeface="Cambria Math" panose="02040503050406030204" pitchFamily="18" charset="0"/>
                               </a:rPr>
                             </m:ctrlPr>
                           </m:sSubPr>
@@ -7512,7 +7774,7 @@
                                 <m:endChr m:val="|"/>
                                 <m:ctrlPr>
                                   <a:rPr lang="en-US" altLang="ko-KR" i="1">
-                                    <a:latin typeface="Cambria Math"/>
+                                    <a:latin typeface="Cambria Math" panose="02040503050406030204" pitchFamily="18" charset="0"/>
                                   </a:rPr>
                                 </m:ctrlPr>
                               </m:dPr>
@@ -7586,7 +7848,7 @@
                         <m:chr m:val="⃑"/>
                         <m:ctrlPr>
                           <a:rPr lang="en-US" altLang="ko-KR" b="1" i="1">
-                            <a:latin typeface="Cambria Math"/>
+                            <a:latin typeface="Cambria Math" panose="02040503050406030204" pitchFamily="18" charset="0"/>
                           </a:rPr>
                         </m:ctrlPr>
                       </m:accPr>
@@ -7595,7 +7857,7 @@
                           <m:sSubPr>
                             <m:ctrlPr>
                               <a:rPr lang="en-US" altLang="ko-KR" b="1" i="1">
-                                <a:latin typeface="Cambria Math"/>
+                                <a:latin typeface="Cambria Math" panose="02040503050406030204" pitchFamily="18" charset="0"/>
                               </a:rPr>
                             </m:ctrlPr>
                           </m:sSubPr>
@@ -7630,7 +7892,7 @@
                         <m:endChr m:val="}"/>
                         <m:ctrlPr>
                           <a:rPr lang="ko-KR" altLang="ko-KR" i="1">
-                            <a:latin typeface="Cambria Math"/>
+                            <a:latin typeface="Cambria Math" panose="02040503050406030204" pitchFamily="18" charset="0"/>
                           </a:rPr>
                         </m:ctrlPr>
                       </m:dPr>
@@ -7639,7 +7901,7 @@
                           <m:sSubSupPr>
                             <m:ctrlPr>
                               <a:rPr lang="ko-KR" altLang="ko-KR" i="1">
-                                <a:latin typeface="Cambria Math"/>
+                                <a:latin typeface="Cambria Math" panose="02040503050406030204" pitchFamily="18" charset="0"/>
                               </a:rPr>
                             </m:ctrlPr>
                           </m:sSubSupPr>
@@ -7684,7 +7946,7 @@
                           <m:sSubSupPr>
                             <m:ctrlPr>
                               <a:rPr lang="ko-KR" altLang="ko-KR" i="1">
-                                <a:latin typeface="Cambria Math"/>
+                                <a:latin typeface="Cambria Math" panose="02040503050406030204" pitchFamily="18" charset="0"/>
                               </a:rPr>
                             </m:ctrlPr>
                           </m:sSubSupPr>
@@ -7741,7 +8003,7 @@
                           <m:sSubSupPr>
                             <m:ctrlPr>
                               <a:rPr lang="ko-KR" altLang="ko-KR" i="1">
-                                <a:latin typeface="Cambria Math"/>
+                                <a:latin typeface="Cambria Math" panose="02040503050406030204" pitchFamily="18" charset="0"/>
                               </a:rPr>
                             </m:ctrlPr>
                           </m:sSubSupPr>
@@ -7760,7 +8022,7 @@
                                 <m:endChr m:val="|"/>
                                 <m:ctrlPr>
                                   <a:rPr lang="en-US" altLang="ko-KR" i="1">
-                                    <a:latin typeface="Cambria Math"/>
+                                    <a:latin typeface="Cambria Math" panose="02040503050406030204" pitchFamily="18" charset="0"/>
                                   </a:rPr>
                                 </m:ctrlPr>
                               </m:dPr>
@@ -7903,7 +8165,7 @@
                             <a:solidFill>
                               <a:schemeClr val="tx1"/>
                             </a:solidFill>
-                            <a:latin typeface="Cambria Math"/>
+                            <a:latin typeface="Cambria Math" panose="02040503050406030204" pitchFamily="18" charset="0"/>
                             <a:ea typeface="Cambria Math" panose="02040503050406030204" pitchFamily="18" charset="0"/>
                             <a:cs typeface="Tahoma" panose="020B0604030504040204" pitchFamily="34" charset="0"/>
                           </a:rPr>
@@ -8023,7 +8285,7 @@
                                 <a:solidFill>
                                   <a:schemeClr val="tx1"/>
                                 </a:solidFill>
-                                <a:latin typeface="Cambria Math"/>
+                                <a:latin typeface="Cambria Math" panose="02040503050406030204" pitchFamily="18" charset="0"/>
                                 <a:ea typeface="Cambria Math" panose="02040503050406030204" pitchFamily="18" charset="0"/>
                                 <a:cs typeface="Tahoma" panose="020B0604030504040204" pitchFamily="34" charset="0"/>
                               </a:rPr>
@@ -8037,7 +8299,7 @@
                                     <a:solidFill>
                                       <a:schemeClr val="tx1"/>
                                     </a:solidFill>
-                                    <a:latin typeface="Cambria Math"/>
+                                    <a:latin typeface="Cambria Math" panose="02040503050406030204" pitchFamily="18" charset="0"/>
                                     <a:ea typeface="Cambria Math" panose="02040503050406030204" pitchFamily="18" charset="0"/>
                                     <a:cs typeface="Tahoma" panose="020B0604030504040204" pitchFamily="34" charset="0"/>
                                   </a:rPr>
@@ -8114,7 +8376,7 @@
                                 <a:solidFill>
                                   <a:schemeClr val="tx1"/>
                                 </a:solidFill>
-                                <a:latin typeface="Cambria Math"/>
+                                <a:latin typeface="Cambria Math" panose="02040503050406030204" pitchFamily="18" charset="0"/>
                                 <a:ea typeface="Cambria Math" panose="02040503050406030204" pitchFamily="18" charset="0"/>
                                 <a:cs typeface="Tahoma" panose="020B0604030504040204" pitchFamily="34" charset="0"/>
                               </a:rPr>
@@ -8128,7 +8390,7 @@
                                     <a:solidFill>
                                       <a:schemeClr val="tx1"/>
                                     </a:solidFill>
-                                    <a:latin typeface="Cambria Math"/>
+                                    <a:latin typeface="Cambria Math" panose="02040503050406030204" pitchFamily="18" charset="0"/>
                                     <a:ea typeface="Cambria Math" panose="02040503050406030204" pitchFamily="18" charset="0"/>
                                     <a:cs typeface="Tahoma" panose="020B0604030504040204" pitchFamily="34" charset="0"/>
                                   </a:rPr>
@@ -8243,7 +8505,7 @@
             </p:txBody>
           </p:sp>
         </mc:Choice>
-        <mc:Fallback>
+        <mc:Fallback xmlns="">
           <p:sp>
             <p:nvSpPr>
               <p:cNvPr id="54" name="TextBox 53"/>
@@ -8344,15 +8606,11 @@
               </a:rPr>
               <a:t>Subject to</a:t>
             </a:r>
-            <a:endParaRPr lang="en-US" altLang="ko-KR" sz="2400" dirty="0" smtClean="0">
-              <a:latin typeface="나눔바른고딕" panose="020B0603020101020101" pitchFamily="50" charset="-127"/>
-              <a:ea typeface="나눔바른고딕" panose="020B0603020101020101" pitchFamily="50" charset="-127"/>
-            </a:endParaRPr>
           </a:p>
         </p:txBody>
       </p:sp>
-      <mc:AlternateContent xmlns:mc="http://schemas.openxmlformats.org/markup-compatibility/2006">
-        <mc:Choice xmlns:a14="http://schemas.microsoft.com/office/drawing/2010/main" Requires="a14">
+      <mc:AlternateContent xmlns:mc="http://schemas.openxmlformats.org/markup-compatibility/2006" xmlns:a14="http://schemas.microsoft.com/office/drawing/2010/main">
+        <mc:Choice Requires="a14">
           <p:sp>
             <p:nvSpPr>
               <p:cNvPr id="58" name="TextBox 57"/>
@@ -8398,7 +8656,7 @@
                             <a:solidFill>
                               <a:schemeClr val="tx1"/>
                             </a:solidFill>
-                            <a:latin typeface="Cambria Math"/>
+                            <a:latin typeface="Cambria Math" panose="02040503050406030204" pitchFamily="18" charset="0"/>
                             <a:cs typeface="Tahoma" panose="020B0604030504040204" pitchFamily="34" charset="0"/>
                           </a:rPr>
                         </m:ctrlPr>
@@ -8411,7 +8669,7 @@
                                 <a:solidFill>
                                   <a:schemeClr val="tx1"/>
                                 </a:solidFill>
-                                <a:latin typeface="Cambria Math"/>
+                                <a:latin typeface="Cambria Math" panose="02040503050406030204" pitchFamily="18" charset="0"/>
                                 <a:cs typeface="Tahoma" panose="020B0604030504040204" pitchFamily="34" charset="0"/>
                               </a:rPr>
                             </m:ctrlPr>
@@ -8425,7 +8683,7 @@
                                     <a:solidFill>
                                       <a:schemeClr val="tx1"/>
                                     </a:solidFill>
-                                    <a:latin typeface="Cambria Math"/>
+                                    <a:latin typeface="Cambria Math" panose="02040503050406030204" pitchFamily="18" charset="0"/>
                                   </a:rPr>
                                 </m:ctrlPr>
                               </m:accPr>
@@ -8505,7 +8763,7 @@
                             <a:solidFill>
                               <a:schemeClr val="tx1"/>
                             </a:solidFill>
-                            <a:latin typeface="Cambria Math"/>
+                            <a:latin typeface="Cambria Math" panose="02040503050406030204" pitchFamily="18" charset="0"/>
                           </a:rPr>
                         </m:ctrlPr>
                       </m:sSubPr>
@@ -8567,7 +8825,7 @@
                             <a:solidFill>
                               <a:schemeClr val="tx1"/>
                             </a:solidFill>
-                            <a:latin typeface="Cambria Math"/>
+                            <a:latin typeface="Cambria Math" panose="02040503050406030204" pitchFamily="18" charset="0"/>
                           </a:rPr>
                         </m:ctrlPr>
                       </m:sSubSupPr>
@@ -8640,7 +8898,7 @@
                             <a:solidFill>
                               <a:schemeClr val="tx1"/>
                             </a:solidFill>
-                            <a:latin typeface="Cambria Math"/>
+                            <a:latin typeface="Cambria Math" panose="02040503050406030204" pitchFamily="18" charset="0"/>
                           </a:rPr>
                         </m:ctrlPr>
                       </m:sSubSupPr>
@@ -8703,7 +8961,7 @@
                             <a:solidFill>
                               <a:schemeClr val="tx1"/>
                             </a:solidFill>
-                            <a:latin typeface="Cambria Math"/>
+                            <a:latin typeface="Cambria Math" panose="02040503050406030204" pitchFamily="18" charset="0"/>
                           </a:rPr>
                         </m:ctrlPr>
                       </m:dPr>
@@ -8715,7 +8973,7 @@
                                 <a:solidFill>
                                   <a:schemeClr val="tx1"/>
                                 </a:solidFill>
-                                <a:latin typeface="Cambria Math"/>
+                                <a:latin typeface="Cambria Math" panose="02040503050406030204" pitchFamily="18" charset="0"/>
                                 <a:cs typeface="Tahoma" panose="020B0604030504040204" pitchFamily="34" charset="0"/>
                               </a:rPr>
                             </m:ctrlPr>
@@ -8729,7 +8987,7 @@
                                     <a:solidFill>
                                       <a:schemeClr val="tx1"/>
                                     </a:solidFill>
-                                    <a:latin typeface="Cambria Math"/>
+                                    <a:latin typeface="Cambria Math" panose="02040503050406030204" pitchFamily="18" charset="0"/>
                                   </a:rPr>
                                 </m:ctrlPr>
                               </m:accPr>
@@ -8848,7 +9106,7 @@
                       <m:sSubPr>
                         <m:ctrlPr>
                           <a:rPr lang="en-US" altLang="ko-KR" i="1">
-                            <a:latin typeface="Cambria Math"/>
+                            <a:latin typeface="Cambria Math" panose="02040503050406030204" pitchFamily="18" charset="0"/>
                           </a:rPr>
                         </m:ctrlPr>
                       </m:sSubPr>
@@ -8895,7 +9153,7 @@
                             <a:solidFill>
                               <a:srgbClr val="000000"/>
                             </a:solidFill>
-                            <a:latin typeface="Cambria Math"/>
+                            <a:latin typeface="Cambria Math" panose="02040503050406030204" pitchFamily="18" charset="0"/>
                             <a:ea typeface="Cambria Math"/>
                             <a:cs typeface="Tahoma" panose="020B0604030504040204" pitchFamily="34" charset="0"/>
                           </a:rPr>
@@ -8980,7 +9238,7 @@
                             <a:solidFill>
                               <a:srgbClr val="000000"/>
                             </a:solidFill>
-                            <a:latin typeface="Cambria Math"/>
+                            <a:latin typeface="Cambria Math" panose="02040503050406030204" pitchFamily="18" charset="0"/>
                             <a:cs typeface="Tahoma" panose="020B0604030504040204" pitchFamily="34" charset="0"/>
                           </a:rPr>
                         </m:ctrlPr>
@@ -9148,7 +9406,7 @@
                             <a:solidFill>
                               <a:srgbClr val="000000"/>
                             </a:solidFill>
-                            <a:latin typeface="Cambria Math"/>
+                            <a:latin typeface="Cambria Math" panose="02040503050406030204" pitchFamily="18" charset="0"/>
                             <a:cs typeface="Tahoma" panose="020B0604030504040204" pitchFamily="34" charset="0"/>
                           </a:rPr>
                         </m:ctrlPr>
@@ -9218,7 +9476,7 @@
                                 <a:solidFill>
                                   <a:srgbClr val="000000"/>
                                 </a:solidFill>
-                                <a:latin typeface="Cambria Math"/>
+                                <a:latin typeface="Cambria Math" panose="02040503050406030204" pitchFamily="18" charset="0"/>
                                 <a:cs typeface="Tahoma" panose="020B0604030504040204" pitchFamily="34" charset="0"/>
                               </a:rPr>
                             </m:ctrlPr>
@@ -9228,7 +9486,7 @@
                               <m:sSubPr>
                                 <m:ctrlPr>
                                   <a:rPr lang="en-US" altLang="ko-KR" i="1">
-                                    <a:latin typeface="Cambria Math"/>
+                                    <a:latin typeface="Cambria Math" panose="02040503050406030204" pitchFamily="18" charset="0"/>
                                   </a:rPr>
                                 </m:ctrlPr>
                               </m:sSubPr>
@@ -9272,7 +9530,7 @@
                               <m:sSubSupPr>
                                 <m:ctrlPr>
                                   <a:rPr lang="ko-KR" altLang="ko-KR" i="1">
-                                    <a:latin typeface="Cambria Math"/>
+                                    <a:latin typeface="Cambria Math" panose="02040503050406030204" pitchFamily="18" charset="0"/>
                                   </a:rPr>
                                 </m:ctrlPr>
                               </m:sSubSupPr>
@@ -9324,7 +9582,7 @@
                               <m:sSubSupPr>
                                 <m:ctrlPr>
                                   <a:rPr lang="ko-KR" altLang="ko-KR" i="1">
-                                    <a:latin typeface="Cambria Math"/>
+                                    <a:latin typeface="Cambria Math" panose="02040503050406030204" pitchFamily="18" charset="0"/>
                                   </a:rPr>
                                 </m:ctrlPr>
                               </m:sSubSupPr>
@@ -9362,7 +9620,7 @@
                                     <a:solidFill>
                                       <a:srgbClr val="000000"/>
                                     </a:solidFill>
-                                    <a:latin typeface="Cambria Math"/>
+                                    <a:latin typeface="Cambria Math" panose="02040503050406030204" pitchFamily="18" charset="0"/>
                                     <a:cs typeface="Tahoma" panose="020B0604030504040204" pitchFamily="34" charset="0"/>
                                   </a:rPr>
                                 </m:ctrlPr>
@@ -9444,7 +9702,7 @@
                                 <a:solidFill>
                                   <a:srgbClr val="000000"/>
                                 </a:solidFill>
-                                <a:latin typeface="Cambria Math"/>
+                                <a:latin typeface="Cambria Math" panose="02040503050406030204" pitchFamily="18" charset="0"/>
                                 <a:ea typeface="Cambria Math"/>
                                 <a:cs typeface="Tahoma" panose="020B0604030504040204" pitchFamily="34" charset="0"/>
                               </a:rPr>
@@ -9532,7 +9790,7 @@
             </p:txBody>
           </p:sp>
         </mc:Choice>
-        <mc:Fallback>
+        <mc:Fallback xmlns="">
           <p:sp>
             <p:nvSpPr>
               <p:cNvPr id="58" name="TextBox 57"/>
@@ -9571,8 +9829,8 @@
           </p:sp>
         </mc:Fallback>
       </mc:AlternateContent>
-      <mc:AlternateContent xmlns:mc="http://schemas.openxmlformats.org/markup-compatibility/2006">
-        <mc:Choice xmlns:a14="http://schemas.microsoft.com/office/drawing/2010/main" Requires="a14">
+      <mc:AlternateContent xmlns:mc="http://schemas.openxmlformats.org/markup-compatibility/2006" xmlns:a14="http://schemas.microsoft.com/office/drawing/2010/main">
+        <mc:Choice Requires="a14">
           <p:graphicFrame>
             <p:nvGraphicFramePr>
               <p:cNvPr id="59" name="표 58"/>
@@ -9589,7 +9847,7 @@
             </p:nvGraphicFramePr>
             <p:xfrm>
               <a:off x="6751084" y="375566"/>
-              <a:ext cx="5217396" cy="5579690"/>
+              <a:ext cx="5217396" cy="5958656"/>
             </p:xfrm>
             <a:graphic>
               <a:graphicData uri="http://schemas.openxmlformats.org/drawingml/2006/table">
@@ -9601,14 +9859,14 @@
                     <a:gridCol w="1844820">
                       <a:extLst>
                         <a:ext uri="{9D8B030D-6E8A-4147-A177-3AD203B41FA5}">
-                          <a16:colId xmlns:a16="http://schemas.microsoft.com/office/drawing/2014/main" xmlns="" val="20000"/>
+                          <a16:colId xmlns:a16="http://schemas.microsoft.com/office/drawing/2014/main" val="20000"/>
                         </a:ext>
                       </a:extLst>
                     </a:gridCol>
                     <a:gridCol w="3372576">
                       <a:extLst>
                         <a:ext uri="{9D8B030D-6E8A-4147-A177-3AD203B41FA5}">
-                          <a16:colId xmlns:a16="http://schemas.microsoft.com/office/drawing/2014/main" xmlns="" val="20001"/>
+                          <a16:colId xmlns:a16="http://schemas.microsoft.com/office/drawing/2014/main" val="20001"/>
                         </a:ext>
                       </a:extLst>
                     </a:gridCol>
@@ -9658,7 +9916,7 @@
                     </a:tc>
                     <a:extLst>
                       <a:ext uri="{0D108BD9-81ED-4DB2-BD59-A6C34878D82A}">
-                        <a16:rowId xmlns:a16="http://schemas.microsoft.com/office/drawing/2014/main" xmlns="" val="10000"/>
+                        <a16:rowId xmlns:a16="http://schemas.microsoft.com/office/drawing/2014/main" val="10000"/>
                       </a:ext>
                     </a:extLst>
                   </a:tr>
@@ -9723,7 +9981,7 @@
                     </a:tc>
                     <a:extLst>
                       <a:ext uri="{0D108BD9-81ED-4DB2-BD59-A6C34878D82A}">
-                        <a16:rowId xmlns:a16="http://schemas.microsoft.com/office/drawing/2014/main" xmlns="" val="10002"/>
+                        <a16:rowId xmlns:a16="http://schemas.microsoft.com/office/drawing/2014/main" val="10002"/>
                       </a:ext>
                     </a:extLst>
                   </a:tr>
@@ -9780,7 +10038,7 @@
                     </a:tc>
                     <a:extLst>
                       <a:ext uri="{0D108BD9-81ED-4DB2-BD59-A6C34878D82A}">
-                        <a16:rowId xmlns:a16="http://schemas.microsoft.com/office/drawing/2014/main" xmlns="" val="10001"/>
+                        <a16:rowId xmlns:a16="http://schemas.microsoft.com/office/drawing/2014/main" val="10001"/>
                       </a:ext>
                     </a:extLst>
                   </a:tr>
@@ -9804,7 +10062,7 @@
                                         <a:solidFill>
                                           <a:schemeClr val="tx1"/>
                                         </a:solidFill>
-                                        <a:latin typeface="Cambria Math"/>
+                                        <a:latin typeface="Cambria Math" panose="02040503050406030204" pitchFamily="18" charset="0"/>
                                       </a:rPr>
                                     </m:ctrlPr>
                                   </m:sSubPr>
@@ -9886,7 +10144,7 @@
                                         <a:solidFill>
                                           <a:schemeClr val="tx1"/>
                                         </a:solidFill>
-                                        <a:latin typeface="Cambria Math"/>
+                                        <a:latin typeface="Cambria Math" panose="02040503050406030204" pitchFamily="18" charset="0"/>
                                       </a:rPr>
                                     </m:ctrlPr>
                                   </m:dPr>
@@ -9906,7 +10164,7 @@
                                             <a:solidFill>
                                               <a:schemeClr val="tx1"/>
                                             </a:solidFill>
-                                            <a:latin typeface="Cambria Math"/>
+                                            <a:latin typeface="Cambria Math" panose="02040503050406030204" pitchFamily="18" charset="0"/>
                                           </a:rPr>
                                         </m:ctrlPr>
                                       </m:mPr>
@@ -9940,7 +10198,7 @@
                                                   <a:solidFill>
                                                     <a:schemeClr val="tx1"/>
                                                   </a:solidFill>
-                                                  <a:latin typeface="Cambria Math"/>
+                                                  <a:latin typeface="Cambria Math" panose="02040503050406030204" pitchFamily="18" charset="0"/>
                                                   <a:ea typeface="Cambria Math"/>
                                                   <a:cs typeface="Tahoma" panose="020B0604030504040204" pitchFamily="34" charset="0"/>
                                                 </a:rPr>
@@ -10024,7 +10282,7 @@
                                                   <a:solidFill>
                                                     <a:schemeClr val="tx1"/>
                                                   </a:solidFill>
-                                                  <a:latin typeface="Cambria Math"/>
+                                                  <a:latin typeface="Cambria Math" panose="02040503050406030204" pitchFamily="18" charset="0"/>
                                                   <a:ea typeface="Cambria Math"/>
                                                   <a:cs typeface="Tahoma" panose="020B0604030504040204" pitchFamily="34" charset="0"/>
                                                 </a:rPr>
@@ -10165,7 +10423,7 @@
                                                   <a:solidFill>
                                                     <a:schemeClr val="tx1"/>
                                                   </a:solidFill>
-                                                  <a:latin typeface="Cambria Math"/>
+                                                  <a:latin typeface="Cambria Math" panose="02040503050406030204" pitchFamily="18" charset="0"/>
                                                   <a:ea typeface="Cambria Math"/>
                                                   <a:cs typeface="Tahoma" panose="020B0604030504040204" pitchFamily="34" charset="0"/>
                                                 </a:rPr>
@@ -10249,7 +10507,7 @@
                                                   <a:solidFill>
                                                     <a:schemeClr val="tx1"/>
                                                   </a:solidFill>
-                                                  <a:latin typeface="Cambria Math"/>
+                                                  <a:latin typeface="Cambria Math" panose="02040503050406030204" pitchFamily="18" charset="0"/>
                                                   <a:ea typeface="Cambria Math"/>
                                                   <a:cs typeface="Tahoma" panose="020B0604030504040204" pitchFamily="34" charset="0"/>
                                                 </a:rPr>
@@ -10324,18 +10582,7 @@
                                               <a:ea typeface="Cambria Math"/>
                                               <a:cs typeface="Tahoma" panose="020B0604030504040204" pitchFamily="34" charset="0"/>
                                             </a:rPr>
-                                            <m:t>연결</m:t>
-                                          </m:r>
-                                          <m:r>
-                                            <a:rPr lang="ko-KR" altLang="en-US" sz="1500" b="0" i="1" kern="0" smtClean="0">
-                                              <a:solidFill>
-                                                <a:schemeClr val="tx1"/>
-                                              </a:solidFill>
-                                              <a:latin typeface="Cambria Math"/>
-                                              <a:ea typeface="Cambria Math"/>
-                                              <a:cs typeface="Tahoma" panose="020B0604030504040204" pitchFamily="34" charset="0"/>
-                                            </a:rPr>
-                                            <m:t>된</m:t>
+                                            <m:t>연결된</m:t>
                                           </m:r>
                                           <m:r>
                                             <a:rPr lang="en-US" altLang="ko-KR" sz="1500" b="0" i="1" kern="0" smtClean="0">
@@ -10382,7 +10629,7 @@
                     </a:tc>
                     <a:extLst>
                       <a:ext uri="{0D108BD9-81ED-4DB2-BD59-A6C34878D82A}">
-                        <a16:rowId xmlns:a16="http://schemas.microsoft.com/office/drawing/2014/main" xmlns="" val="10003"/>
+                        <a16:rowId xmlns:a16="http://schemas.microsoft.com/office/drawing/2014/main" val="10003"/>
                       </a:ext>
                     </a:extLst>
                   </a:tr>
@@ -10406,7 +10653,7 @@
                                         <a:solidFill>
                                           <a:schemeClr val="tx1"/>
                                         </a:solidFill>
-                                        <a:latin typeface="Cambria Math"/>
+                                        <a:latin typeface="Cambria Math" panose="02040503050406030204" pitchFamily="18" charset="0"/>
                                         <a:ea typeface="+mn-ea"/>
                                         <a:cs typeface="Tahoma" panose="020B0604030504040204" pitchFamily="34" charset="0"/>
                                       </a:rPr>
@@ -10571,7 +10818,7 @@
                                       <a:solidFill>
                                         <a:schemeClr val="tx1"/>
                                       </a:solidFill>
-                                      <a:latin typeface="Cambria Math"/>
+                                      <a:latin typeface="Cambria Math" panose="02040503050406030204" pitchFamily="18" charset="0"/>
                                       <a:ea typeface="Cambria Math"/>
                                       <a:cs typeface="Tahoma" panose="020B0604030504040204" pitchFamily="34" charset="0"/>
                                     </a:rPr>
@@ -10585,7 +10832,7 @@
                                           <a:solidFill>
                                             <a:schemeClr val="tx1"/>
                                           </a:solidFill>
-                                          <a:latin typeface="Cambria Math"/>
+                                          <a:latin typeface="Cambria Math" panose="02040503050406030204" pitchFamily="18" charset="0"/>
                                           <a:ea typeface="Cambria Math"/>
                                           <a:cs typeface="Tahoma" panose="020B0604030504040204" pitchFamily="34" charset="0"/>
                                         </a:rPr>
@@ -10729,7 +10976,7 @@
                     </a:tc>
                     <a:extLst>
                       <a:ext uri="{0D108BD9-81ED-4DB2-BD59-A6C34878D82A}">
-                        <a16:rowId xmlns:a16="http://schemas.microsoft.com/office/drawing/2014/main" xmlns="" val="10005"/>
+                        <a16:rowId xmlns:a16="http://schemas.microsoft.com/office/drawing/2014/main" val="10005"/>
                       </a:ext>
                     </a:extLst>
                   </a:tr>
@@ -10753,7 +11000,7 @@
                                         <a:solidFill>
                                           <a:schemeClr val="tx1"/>
                                         </a:solidFill>
-                                        <a:latin typeface="Cambria Math"/>
+                                        <a:latin typeface="Cambria Math" panose="02040503050406030204" pitchFamily="18" charset="0"/>
                                         <a:ea typeface="+mn-ea"/>
                                         <a:cs typeface="Tahoma" panose="020B0604030504040204" pitchFamily="34" charset="0"/>
                                       </a:rPr>
@@ -10834,7 +11081,7 @@
                                         <a:solidFill>
                                           <a:schemeClr val="tx1"/>
                                         </a:solidFill>
-                                        <a:latin typeface="Cambria Math"/>
+                                        <a:latin typeface="Cambria Math" panose="02040503050406030204" pitchFamily="18" charset="0"/>
                                         <a:ea typeface="Cambria Math"/>
                                         <a:cs typeface="Tahoma" panose="020B0604030504040204" pitchFamily="34" charset="0"/>
                                       </a:rPr>
@@ -10943,7 +11190,7 @@
                     </a:tc>
                     <a:extLst>
                       <a:ext uri="{0D108BD9-81ED-4DB2-BD59-A6C34878D82A}">
-                        <a16:rowId xmlns:a16="http://schemas.microsoft.com/office/drawing/2014/main" xmlns="" val="10008"/>
+                        <a16:rowId xmlns:a16="http://schemas.microsoft.com/office/drawing/2014/main" val="10008"/>
                       </a:ext>
                     </a:extLst>
                   </a:tr>
@@ -10993,7 +11240,7 @@
                                         <a:solidFill>
                                           <a:schemeClr val="tx1"/>
                                         </a:solidFill>
-                                        <a:latin typeface="Cambria Math"/>
+                                        <a:latin typeface="Cambria Math" panose="02040503050406030204" pitchFamily="18" charset="0"/>
                                         <a:cs typeface="Tahoma" panose="020B0604030504040204" pitchFamily="34" charset="0"/>
                                       </a:rPr>
                                     </m:ctrlPr>
@@ -11050,7 +11297,7 @@
                                         <a:solidFill>
                                           <a:schemeClr val="tx1"/>
                                         </a:solidFill>
-                                        <a:latin typeface="Cambria Math"/>
+                                        <a:latin typeface="Cambria Math" panose="02040503050406030204" pitchFamily="18" charset="0"/>
                                         <a:ea typeface="Cambria Math"/>
                                         <a:cs typeface="Tahoma" panose="020B0604030504040204" pitchFamily="34" charset="0"/>
                                       </a:rPr>
@@ -11177,7 +11424,7 @@
                     </a:tc>
                     <a:extLst>
                       <a:ext uri="{0D108BD9-81ED-4DB2-BD59-A6C34878D82A}">
-                        <a16:rowId xmlns:a16="http://schemas.microsoft.com/office/drawing/2014/main" xmlns="" val="10009"/>
+                        <a16:rowId xmlns:a16="http://schemas.microsoft.com/office/drawing/2014/main" val="10009"/>
                       </a:ext>
                     </a:extLst>
                   </a:tr>
@@ -11220,7 +11467,7 @@
                                         <a:solidFill>
                                           <a:schemeClr val="tx1"/>
                                         </a:solidFill>
-                                        <a:latin typeface="Cambria Math"/>
+                                        <a:latin typeface="Cambria Math" panose="02040503050406030204" pitchFamily="18" charset="0"/>
                                       </a:rPr>
                                     </m:ctrlPr>
                                   </m:accPr>
@@ -11314,7 +11561,7 @@
                     </a:tc>
                     <a:extLst>
                       <a:ext uri="{0D108BD9-81ED-4DB2-BD59-A6C34878D82A}">
-                        <a16:rowId xmlns:a16="http://schemas.microsoft.com/office/drawing/2014/main" xmlns="" val="10010"/>
+                        <a16:rowId xmlns:a16="http://schemas.microsoft.com/office/drawing/2014/main" val="10010"/>
                       </a:ext>
                     </a:extLst>
                   </a:tr>
@@ -11338,7 +11585,7 @@
                                         <a:solidFill>
                                           <a:schemeClr val="tx1"/>
                                         </a:solidFill>
-                                        <a:latin typeface="Cambria Math"/>
+                                        <a:latin typeface="Cambria Math" panose="02040503050406030204" pitchFamily="18" charset="0"/>
                                         <a:ea typeface="Cambria Math"/>
                                         <a:cs typeface="Tahoma" panose="020B0604030504040204" pitchFamily="34" charset="0"/>
                                       </a:rPr>
@@ -11353,7 +11600,7 @@
                                             <a:solidFill>
                                               <a:schemeClr val="tx1"/>
                                             </a:solidFill>
-                                            <a:latin typeface="Cambria Math"/>
+                                            <a:latin typeface="Cambria Math" panose="02040503050406030204" pitchFamily="18" charset="0"/>
                                           </a:rPr>
                                         </m:ctrlPr>
                                       </m:accPr>
@@ -11432,7 +11679,7 @@
                                         <a:solidFill>
                                           <a:schemeClr val="tx1"/>
                                         </a:solidFill>
-                                        <a:latin typeface="Cambria Math"/>
+                                        <a:latin typeface="Cambria Math" panose="02040503050406030204" pitchFamily="18" charset="0"/>
                                       </a:rPr>
                                     </m:ctrlPr>
                                   </m:sSubPr>
@@ -11558,7 +11805,7 @@
                     </a:tc>
                     <a:extLst>
                       <a:ext uri="{0D108BD9-81ED-4DB2-BD59-A6C34878D82A}">
-                        <a16:rowId xmlns:a16="http://schemas.microsoft.com/office/drawing/2014/main" xmlns="" val="10004"/>
+                        <a16:rowId xmlns:a16="http://schemas.microsoft.com/office/drawing/2014/main" val="10004"/>
                       </a:ext>
                     </a:extLst>
                   </a:tr>
@@ -11582,7 +11829,7 @@
                                         <a:solidFill>
                                           <a:schemeClr val="tx1"/>
                                         </a:solidFill>
-                                        <a:latin typeface="Cambria Math"/>
+                                        <a:latin typeface="Cambria Math" panose="02040503050406030204" pitchFamily="18" charset="0"/>
                                         <a:ea typeface="Cambria Math"/>
                                         <a:cs typeface="Tahoma" panose="020B0604030504040204" pitchFamily="34" charset="0"/>
                                       </a:rPr>
@@ -11597,7 +11844,7 @@
                                             <a:solidFill>
                                               <a:schemeClr val="tx1"/>
                                             </a:solidFill>
-                                            <a:latin typeface="Cambria Math"/>
+                                            <a:latin typeface="Cambria Math" panose="02040503050406030204" pitchFamily="18" charset="0"/>
                                           </a:rPr>
                                         </m:ctrlPr>
                                       </m:accPr>
@@ -11676,7 +11923,7 @@
                                         <a:solidFill>
                                           <a:schemeClr val="tx1"/>
                                         </a:solidFill>
-                                        <a:latin typeface="Cambria Math"/>
+                                        <a:latin typeface="Cambria Math" panose="02040503050406030204" pitchFamily="18" charset="0"/>
                                       </a:rPr>
                                     </m:ctrlPr>
                                   </m:sSubPr>
@@ -11784,7 +12031,7 @@
                     </a:tc>
                     <a:extLst>
                       <a:ext uri="{0D108BD9-81ED-4DB2-BD59-A6C34878D82A}">
-                        <a16:rowId xmlns:a16="http://schemas.microsoft.com/office/drawing/2014/main" xmlns="" val="10011"/>
+                        <a16:rowId xmlns:a16="http://schemas.microsoft.com/office/drawing/2014/main" val="10011"/>
                       </a:ext>
                     </a:extLst>
                   </a:tr>
@@ -11865,7 +12112,7 @@
                     </a:tc>
                     <a:extLst>
                       <a:ext uri="{0D108BD9-81ED-4DB2-BD59-A6C34878D82A}">
-                        <a16:rowId xmlns:a16="http://schemas.microsoft.com/office/drawing/2014/main" xmlns="" val="10012"/>
+                        <a16:rowId xmlns:a16="http://schemas.microsoft.com/office/drawing/2014/main" val="10012"/>
                       </a:ext>
                     </a:extLst>
                   </a:tr>
@@ -11889,7 +12136,7 @@
                                         <a:solidFill>
                                           <a:schemeClr val="tx1"/>
                                         </a:solidFill>
-                                        <a:latin typeface="Cambria Math"/>
+                                        <a:latin typeface="Cambria Math" panose="02040503050406030204" pitchFamily="18" charset="0"/>
                                         <a:ea typeface="Cambria Math"/>
                                         <a:cs typeface="Tahoma" panose="020B0604030504040204" pitchFamily="34" charset="0"/>
                                       </a:rPr>
@@ -11970,7 +12217,7 @@
                                         <a:solidFill>
                                           <a:schemeClr val="tx1"/>
                                         </a:solidFill>
-                                        <a:latin typeface="Cambria Math"/>
+                                        <a:latin typeface="Cambria Math" panose="02040503050406030204" pitchFamily="18" charset="0"/>
                                       </a:rPr>
                                     </m:ctrlPr>
                                   </m:sSubPr>
@@ -12096,7 +12343,7 @@
                     </a:tc>
                     <a:extLst>
                       <a:ext uri="{0D108BD9-81ED-4DB2-BD59-A6C34878D82A}">
-                        <a16:rowId xmlns:a16="http://schemas.microsoft.com/office/drawing/2014/main" xmlns="" val="10006"/>
+                        <a16:rowId xmlns:a16="http://schemas.microsoft.com/office/drawing/2014/main" val="10006"/>
                       </a:ext>
                     </a:extLst>
                   </a:tr>
@@ -12120,7 +12367,7 @@
                                         <a:solidFill>
                                           <a:schemeClr val="tx1"/>
                                         </a:solidFill>
-                                        <a:latin typeface="Cambria Math"/>
+                                        <a:latin typeface="Cambria Math" panose="02040503050406030204" pitchFamily="18" charset="0"/>
                                         <a:ea typeface="+mn-ea"/>
                                         <a:cs typeface="Tahoma" panose="020B0604030504040204" pitchFamily="34" charset="0"/>
                                       </a:rPr>
@@ -12219,7 +12466,7 @@
                                       <a:solidFill>
                                         <a:schemeClr val="tx1"/>
                                       </a:solidFill>
-                                      <a:latin typeface="Cambria Math"/>
+                                      <a:latin typeface="Cambria Math" panose="02040503050406030204" pitchFamily="18" charset="0"/>
                                     </a:rPr>
                                   </m:ctrlPr>
                                 </m:sSubPr>
@@ -12231,7 +12478,7 @@
                                           <a:solidFill>
                                             <a:schemeClr val="tx1"/>
                                           </a:solidFill>
-                                          <a:latin typeface="Cambria Math"/>
+                                          <a:latin typeface="Cambria Math" panose="02040503050406030204" pitchFamily="18" charset="0"/>
                                           <a:ea typeface="Cambria Math"/>
                                           <a:cs typeface="Tahoma" panose="020B0604030504040204" pitchFamily="34" charset="0"/>
                                         </a:rPr>
@@ -12363,7 +12610,7 @@
                     </a:tc>
                     <a:extLst>
                       <a:ext uri="{0D108BD9-81ED-4DB2-BD59-A6C34878D82A}">
-                        <a16:rowId xmlns:a16="http://schemas.microsoft.com/office/drawing/2014/main" xmlns="" val="10007"/>
+                        <a16:rowId xmlns:a16="http://schemas.microsoft.com/office/drawing/2014/main" val="10007"/>
                       </a:ext>
                     </a:extLst>
                   </a:tr>
@@ -12387,7 +12634,7 @@
                                         <a:solidFill>
                                           <a:srgbClr val="000000"/>
                                         </a:solidFill>
-                                        <a:latin typeface="Cambria Math"/>
+                                        <a:latin typeface="Cambria Math" panose="02040503050406030204" pitchFamily="18" charset="0"/>
                                         <a:ea typeface="Cambria Math"/>
                                         <a:cs typeface="Tahoma" panose="020B0604030504040204" pitchFamily="34" charset="0"/>
                                       </a:rPr>
@@ -12469,7 +12716,7 @@
                     </a:tc>
                     <a:extLst>
                       <a:ext uri="{0D108BD9-81ED-4DB2-BD59-A6C34878D82A}">
-                        <a16:rowId xmlns:a16="http://schemas.microsoft.com/office/drawing/2014/main" xmlns="" val="10013"/>
+                        <a16:rowId xmlns:a16="http://schemas.microsoft.com/office/drawing/2014/main" val="10013"/>
                       </a:ext>
                     </a:extLst>
                   </a:tr>
@@ -12478,7 +12725,7 @@
             </a:graphic>
           </p:graphicFrame>
         </mc:Choice>
-        <mc:Fallback>
+        <mc:Fallback xmlns="">
           <p:graphicFrame>
             <p:nvGraphicFramePr>
               <p:cNvPr id="59" name="표 58"/>
@@ -13267,1830 +13514,6 @@
 </p:sld>
 </file>
 
-<file path=ppt/slides/slide5.xml><?xml version="1.0" encoding="utf-8"?>
-<p:sld xmlns:a="http://schemas.openxmlformats.org/drawingml/2006/main" xmlns:r="http://schemas.openxmlformats.org/officeDocument/2006/relationships" xmlns:p="http://schemas.openxmlformats.org/presentationml/2006/main">
-  <p:cSld>
-    <p:spTree>
-      <p:nvGrpSpPr>
-        <p:cNvPr id="1" name=""/>
-        <p:cNvGrpSpPr/>
-        <p:nvPr/>
-      </p:nvGrpSpPr>
-      <p:grpSpPr>
-        <a:xfrm>
-          <a:off x="0" y="0"/>
-          <a:ext cx="0" cy="0"/>
-          <a:chOff x="0" y="0"/>
-          <a:chExt cx="0" cy="0"/>
-        </a:xfrm>
-      </p:grpSpPr>
-      <p:graphicFrame>
-        <p:nvGraphicFramePr>
-          <p:cNvPr id="82" name="개체 81"/>
-          <p:cNvGraphicFramePr>
-            <a:graphicFrameLocks noChangeAspect="1"/>
-          </p:cNvGraphicFramePr>
-          <p:nvPr>
-            <p:extLst>
-              <p:ext uri="{D42A27DB-BD31-4B8C-83A1-F6EECF244321}">
-                <p14:modId xmlns:p14="http://schemas.microsoft.com/office/powerpoint/2010/main" val="1060546634"/>
-              </p:ext>
-            </p:extLst>
-          </p:nvPr>
-        </p:nvGraphicFramePr>
-        <p:xfrm>
-          <a:off x="5120320" y="5677070"/>
-          <a:ext cx="1754188" cy="757238"/>
-        </p:xfrm>
-        <a:graphic>
-          <a:graphicData uri="http://schemas.openxmlformats.org/presentationml/2006/ole">
-            <mc:AlternateContent xmlns:mc="http://schemas.openxmlformats.org/markup-compatibility/2006">
-              <mc:Choice xmlns:v="urn:schemas-microsoft-com:vml" Requires="v">
-                <p:oleObj spid="_x0000_s1069" name="Equation" r:id="rId4" imgW="1117440" imgH="482400" progId="Equation.DSMT4">
-                  <p:embed/>
-                </p:oleObj>
-              </mc:Choice>
-              <mc:Fallback>
-                <p:oleObj name="Equation" r:id="rId4" imgW="1117440" imgH="482400" progId="Equation.DSMT4">
-                  <p:embed/>
-                  <p:pic>
-                    <p:nvPicPr>
-                      <p:cNvPr id="0" name=""/>
-                      <p:cNvPicPr/>
-                      <p:nvPr/>
-                    </p:nvPicPr>
-                    <p:blipFill>
-                      <a:blip r:embed="rId5"/>
-                      <a:stretch>
-                        <a:fillRect/>
-                      </a:stretch>
-                    </p:blipFill>
-                    <p:spPr>
-                      <a:xfrm>
-                        <a:off x="5120320" y="5677070"/>
-                        <a:ext cx="1754188" cy="757238"/>
-                      </a:xfrm>
-                      <a:prstGeom prst="rect">
-                        <a:avLst/>
-                      </a:prstGeom>
-                    </p:spPr>
-                  </p:pic>
-                </p:oleObj>
-              </mc:Fallback>
-            </mc:AlternateContent>
-          </a:graphicData>
-        </a:graphic>
-      </p:graphicFrame>
-      <p:sp>
-        <p:nvSpPr>
-          <p:cNvPr id="6" name="제목 1"/>
-          <p:cNvSpPr txBox="1">
-            <a:spLocks/>
-          </p:cNvSpPr>
-          <p:nvPr/>
-        </p:nvSpPr>
-        <p:spPr>
-          <a:xfrm>
-            <a:off x="525684" y="0"/>
-            <a:ext cx="10914475" cy="936132"/>
-          </a:xfrm>
-          <a:prstGeom prst="rect">
-            <a:avLst/>
-          </a:prstGeom>
-          <a:noFill/>
-        </p:spPr>
-        <p:txBody>
-          <a:bodyPr vert="horz" lIns="91440" tIns="45720" rIns="91440" bIns="45720" rtlCol="0" anchor="b">
-            <a:normAutofit/>
-          </a:bodyPr>
-          <a:lstStyle>
-            <a:lvl1pPr algn="ctr" defTabSz="914400" rtl="0" eaLnBrk="1" latinLnBrk="1" hangingPunct="1">
-              <a:lnSpc>
-                <a:spcPct val="90000"/>
-              </a:lnSpc>
-              <a:spcBef>
-                <a:spcPct val="0"/>
-              </a:spcBef>
-              <a:buNone/>
-              <a:defRPr sz="6000" kern="1200">
-                <a:solidFill>
-                  <a:schemeClr val="tx1"/>
-                </a:solidFill>
-                <a:latin typeface="+mj-lt"/>
-                <a:ea typeface="+mj-ea"/>
-                <a:cs typeface="+mj-cs"/>
-              </a:defRPr>
-            </a:lvl1pPr>
-          </a:lstStyle>
-          <a:p>
-            <a:r>
-              <a:rPr lang="en-US" altLang="ko-KR" sz="4000" dirty="0" smtClean="0">
-                <a:solidFill>
-                  <a:srgbClr val="434B56"/>
-                </a:solidFill>
-                <a:latin typeface="나눔바른고딕" panose="020B0603020101020101" pitchFamily="50" charset="-127"/>
-                <a:ea typeface="나눔바른고딕" panose="020B0603020101020101" pitchFamily="50" charset="-127"/>
-              </a:rPr>
-              <a:t>Time Slot</a:t>
-            </a:r>
-            <a:endParaRPr lang="ko-KR" altLang="en-US" sz="4000" dirty="0">
-              <a:solidFill>
-                <a:srgbClr val="434B56"/>
-              </a:solidFill>
-              <a:latin typeface="나눔바른고딕" panose="020B0603020101020101" pitchFamily="50" charset="-127"/>
-              <a:ea typeface="나눔바른고딕" panose="020B0603020101020101" pitchFamily="50" charset="-127"/>
-            </a:endParaRPr>
-          </a:p>
-        </p:txBody>
-      </p:sp>
-      <p:cxnSp>
-        <p:nvCxnSpPr>
-          <p:cNvPr id="90" name="직선 연결선 89"/>
-          <p:cNvCxnSpPr/>
-          <p:nvPr/>
-        </p:nvCxnSpPr>
-        <p:spPr>
-          <a:xfrm>
-            <a:off x="229507" y="953861"/>
-            <a:ext cx="11651344" cy="0"/>
-          </a:xfrm>
-          <a:prstGeom prst="line">
-            <a:avLst/>
-          </a:prstGeom>
-          <a:ln>
-            <a:solidFill>
-              <a:schemeClr val="tx2">
-                <a:lumMod val="50000"/>
-                <a:alpha val="50000"/>
-              </a:schemeClr>
-            </a:solidFill>
-          </a:ln>
-        </p:spPr>
-        <p:style>
-          <a:lnRef idx="1">
-            <a:schemeClr val="accent1"/>
-          </a:lnRef>
-          <a:fillRef idx="0">
-            <a:schemeClr val="accent1"/>
-          </a:fillRef>
-          <a:effectRef idx="0">
-            <a:schemeClr val="accent1"/>
-          </a:effectRef>
-          <a:fontRef idx="minor">
-            <a:schemeClr val="tx1"/>
-          </a:fontRef>
-        </p:style>
-      </p:cxnSp>
-      <p:sp>
-        <p:nvSpPr>
-          <p:cNvPr id="121" name="제목 1"/>
-          <p:cNvSpPr txBox="1">
-            <a:spLocks/>
-          </p:cNvSpPr>
-          <p:nvPr/>
-        </p:nvSpPr>
-        <p:spPr>
-          <a:xfrm>
-            <a:off x="6678835" y="0"/>
-            <a:ext cx="5202016" cy="936132"/>
-          </a:xfrm>
-          <a:prstGeom prst="rect">
-            <a:avLst/>
-          </a:prstGeom>
-          <a:noFill/>
-        </p:spPr>
-        <p:txBody>
-          <a:bodyPr vert="horz" lIns="91440" tIns="45720" rIns="91440" bIns="45720" rtlCol="0" anchor="b">
-            <a:normAutofit/>
-          </a:bodyPr>
-          <a:lstStyle>
-            <a:lvl1pPr algn="ctr" defTabSz="914400" rtl="0" eaLnBrk="1" latinLnBrk="1" hangingPunct="1">
-              <a:lnSpc>
-                <a:spcPct val="90000"/>
-              </a:lnSpc>
-              <a:spcBef>
-                <a:spcPct val="0"/>
-              </a:spcBef>
-              <a:buNone/>
-              <a:defRPr sz="6000" kern="1200">
-                <a:solidFill>
-                  <a:schemeClr val="tx1"/>
-                </a:solidFill>
-                <a:latin typeface="+mj-lt"/>
-                <a:ea typeface="+mj-ea"/>
-                <a:cs typeface="+mj-cs"/>
-              </a:defRPr>
-            </a:lvl1pPr>
-          </a:lstStyle>
-          <a:p>
-            <a:endParaRPr lang="ko-KR" altLang="en-US" sz="4000" dirty="0">
-              <a:solidFill>
-                <a:srgbClr val="434B56"/>
-              </a:solidFill>
-              <a:latin typeface="나눔바른고딕" panose="020B0603020101020101" pitchFamily="50" charset="-127"/>
-              <a:ea typeface="나눔바른고딕" panose="020B0603020101020101" pitchFamily="50" charset="-127"/>
-            </a:endParaRPr>
-          </a:p>
-        </p:txBody>
-      </p:sp>
-      <p:grpSp>
-        <p:nvGrpSpPr>
-          <p:cNvPr id="8" name="그룹 7"/>
-          <p:cNvGrpSpPr/>
-          <p:nvPr/>
-        </p:nvGrpSpPr>
-        <p:grpSpPr>
-          <a:xfrm>
-            <a:off x="305262" y="2362164"/>
-            <a:ext cx="3940035" cy="3083812"/>
-            <a:chOff x="828564" y="1336356"/>
-            <a:chExt cx="3940035" cy="3083812"/>
-          </a:xfrm>
-        </p:grpSpPr>
-        <p:grpSp>
-          <p:nvGrpSpPr>
-            <p:cNvPr id="12" name="그룹 11"/>
-            <p:cNvGrpSpPr/>
-            <p:nvPr/>
-          </p:nvGrpSpPr>
-          <p:grpSpPr>
-            <a:xfrm>
-              <a:off x="828564" y="1336356"/>
-              <a:ext cx="3940035" cy="3083812"/>
-              <a:chOff x="3203848" y="2636912"/>
-              <a:chExt cx="3080212" cy="2410840"/>
-            </a:xfrm>
-          </p:grpSpPr>
-          <p:grpSp>
-            <p:nvGrpSpPr>
-              <p:cNvPr id="13" name="그룹 12"/>
-              <p:cNvGrpSpPr/>
-              <p:nvPr/>
-            </p:nvGrpSpPr>
-            <p:grpSpPr>
-              <a:xfrm>
-                <a:off x="3203848" y="2636912"/>
-                <a:ext cx="3080212" cy="2410840"/>
-                <a:chOff x="1673478" y="1329974"/>
-                <a:chExt cx="3789033" cy="2965625"/>
-              </a:xfrm>
-            </p:grpSpPr>
-            <p:sp>
-              <p:nvSpPr>
-                <p:cNvPr id="15" name="타원 14"/>
-                <p:cNvSpPr/>
-                <p:nvPr/>
-              </p:nvSpPr>
-              <p:spPr>
-                <a:xfrm>
-                  <a:off x="1673478" y="2147656"/>
-                  <a:ext cx="2147944" cy="2147943"/>
-                </a:xfrm>
-                <a:prstGeom prst="ellipse">
-                  <a:avLst/>
-                </a:prstGeom>
-                <a:solidFill>
-                  <a:srgbClr val="00B050">
-                    <a:alpha val="20000"/>
-                  </a:srgbClr>
-                </a:solidFill>
-              </p:spPr>
-              <p:txBody>
-                <a:bodyPr wrap="square" rtlCol="0" anchor="ctr">
-                  <a:spAutoFit/>
-                </a:bodyPr>
-                <a:lstStyle/>
-                <a:p>
-                  <a:pPr algn="ctr"/>
-                  <a:endParaRPr lang="ko-KR" altLang="en-US" sz="1200" i="1" smtClean="0">
-                    <a:solidFill>
-                      <a:srgbClr val="FF0000"/>
-                    </a:solidFill>
-                    <a:latin typeface="Cambria Math" panose="02040503050406030204" pitchFamily="18" charset="0"/>
-                  </a:endParaRPr>
-                </a:p>
-              </p:txBody>
-            </p:sp>
-            <p:sp>
-              <p:nvSpPr>
-                <p:cNvPr id="16" name="타원 15"/>
-                <p:cNvSpPr/>
-                <p:nvPr/>
-              </p:nvSpPr>
-              <p:spPr>
-                <a:xfrm>
-                  <a:off x="3314567" y="1329974"/>
-                  <a:ext cx="2147944" cy="2147943"/>
-                </a:xfrm>
-                <a:prstGeom prst="ellipse">
-                  <a:avLst/>
-                </a:prstGeom>
-                <a:solidFill>
-                  <a:srgbClr val="00B050">
-                    <a:alpha val="20000"/>
-                  </a:srgbClr>
-                </a:solidFill>
-              </p:spPr>
-              <p:txBody>
-                <a:bodyPr wrap="square" rtlCol="0" anchor="ctr">
-                  <a:spAutoFit/>
-                </a:bodyPr>
-                <a:lstStyle/>
-                <a:p>
-                  <a:pPr algn="ctr"/>
-                  <a:endParaRPr lang="ko-KR" altLang="en-US" sz="1200" i="1" smtClean="0">
-                    <a:solidFill>
-                      <a:srgbClr val="FF0000"/>
-                    </a:solidFill>
-                    <a:latin typeface="Cambria Math" panose="02040503050406030204" pitchFamily="18" charset="0"/>
-                  </a:endParaRPr>
-                </a:p>
-              </p:txBody>
-            </p:sp>
-            <p:pic>
-              <p:nvPicPr>
-                <p:cNvPr id="17" name="Picture 8" descr="C:\Users\dream\Desktop\ap.png"/>
-                <p:cNvPicPr>
-                  <a:picLocks noChangeAspect="1" noChangeArrowheads="1"/>
-                </p:cNvPicPr>
-                <p:nvPr/>
-              </p:nvPicPr>
-              <p:blipFill>
-                <a:blip r:embed="rId6">
-                  <a:extLst>
-                    <a:ext uri="{28A0092B-C50C-407E-A947-70E740481C1C}">
-                      <a14:useLocalDpi xmlns:a14="http://schemas.microsoft.com/office/drawing/2010/main" val="0"/>
-                    </a:ext>
-                  </a:extLst>
-                </a:blip>
-                <a:srcRect/>
-                <a:stretch>
-                  <a:fillRect/>
-                </a:stretch>
-              </p:blipFill>
-              <p:spPr bwMode="auto">
-                <a:xfrm>
-                  <a:off x="2788431" y="3017450"/>
-                  <a:ext cx="249502" cy="619976"/>
-                </a:xfrm>
-                <a:prstGeom prst="rect">
-                  <a:avLst/>
-                </a:prstGeom>
-                <a:noFill/>
-                <a:extLst>
-                  <a:ext uri="{909E8E84-426E-40DD-AFC4-6F175D3DCCD1}">
-                    <a14:hiddenFill xmlns:a14="http://schemas.microsoft.com/office/drawing/2010/main">
-                      <a:solidFill>
-                        <a:srgbClr val="FFFFFF"/>
-                      </a:solidFill>
-                    </a14:hiddenFill>
-                  </a:ext>
-                </a:extLst>
-              </p:spPr>
-            </p:pic>
-            <p:pic>
-              <p:nvPicPr>
-                <p:cNvPr id="18" name="Picture 8" descr="C:\Users\dream\Desktop\ap.png"/>
-                <p:cNvPicPr>
-                  <a:picLocks noChangeAspect="1" noChangeArrowheads="1"/>
-                </p:cNvPicPr>
-                <p:nvPr/>
-              </p:nvPicPr>
-              <p:blipFill>
-                <a:blip r:embed="rId6">
-                  <a:extLst>
-                    <a:ext uri="{28A0092B-C50C-407E-A947-70E740481C1C}">
-                      <a14:useLocalDpi xmlns:a14="http://schemas.microsoft.com/office/drawing/2010/main" val="0"/>
-                    </a:ext>
-                  </a:extLst>
-                </a:blip>
-                <a:srcRect/>
-                <a:stretch>
-                  <a:fillRect/>
-                </a:stretch>
-              </p:blipFill>
-              <p:spPr bwMode="auto">
-                <a:xfrm>
-                  <a:off x="4292581" y="1988840"/>
-                  <a:ext cx="249502" cy="619976"/>
-                </a:xfrm>
-                <a:prstGeom prst="rect">
-                  <a:avLst/>
-                </a:prstGeom>
-                <a:noFill/>
-                <a:extLst>
-                  <a:ext uri="{909E8E84-426E-40DD-AFC4-6F175D3DCCD1}">
-                    <a14:hiddenFill xmlns:a14="http://schemas.microsoft.com/office/drawing/2010/main">
-                      <a:solidFill>
-                        <a:srgbClr val="FFFFFF"/>
-                      </a:solidFill>
-                    </a14:hiddenFill>
-                  </a:ext>
-                </a:extLst>
-              </p:spPr>
-            </p:pic>
-            <p:sp>
-              <p:nvSpPr>
-                <p:cNvPr id="19" name="오른쪽 화살표 18"/>
-                <p:cNvSpPr/>
-                <p:nvPr/>
-              </p:nvSpPr>
-              <p:spPr>
-                <a:xfrm rot="21069168">
-                  <a:off x="2140488" y="3329303"/>
-                  <a:ext cx="553787" cy="170104"/>
-                </a:xfrm>
-                <a:prstGeom prst="rightArrow">
-                  <a:avLst/>
-                </a:prstGeom>
-                <a:solidFill>
-                  <a:srgbClr val="00B0F0"/>
-                </a:solidFill>
-              </p:spPr>
-              <p:txBody>
-                <a:bodyPr wrap="square" rtlCol="0" anchor="ctr">
-                  <a:spAutoFit/>
-                </a:bodyPr>
-                <a:lstStyle/>
-                <a:p>
-                  <a:pPr algn="ctr"/>
-                  <a:endParaRPr lang="ko-KR" altLang="en-US" sz="1200" i="1" smtClean="0">
-                    <a:solidFill>
-                      <a:srgbClr val="FF0000"/>
-                    </a:solidFill>
-                    <a:latin typeface="Cambria Math" panose="02040503050406030204" pitchFamily="18" charset="0"/>
-                  </a:endParaRPr>
-                </a:p>
-              </p:txBody>
-            </p:sp>
-            <p:sp>
-              <p:nvSpPr>
-                <p:cNvPr id="20" name="오른쪽 화살표 19"/>
-                <p:cNvSpPr/>
-                <p:nvPr/>
-              </p:nvSpPr>
-              <p:spPr>
-                <a:xfrm rot="15361692">
-                  <a:off x="2706577" y="3790701"/>
-                  <a:ext cx="553785" cy="170104"/>
-                </a:xfrm>
-                <a:prstGeom prst="rightArrow">
-                  <a:avLst/>
-                </a:prstGeom>
-                <a:solidFill>
-                  <a:srgbClr val="00B0F0"/>
-                </a:solidFill>
-              </p:spPr>
-              <p:txBody>
-                <a:bodyPr wrap="square" rtlCol="0" anchor="ctr">
-                  <a:spAutoFit/>
-                </a:bodyPr>
-                <a:lstStyle/>
-                <a:p>
-                  <a:pPr algn="ctr"/>
-                  <a:endParaRPr lang="ko-KR" altLang="en-US" sz="1200" i="1" smtClean="0">
-                    <a:solidFill>
-                      <a:srgbClr val="FF0000"/>
-                    </a:solidFill>
-                    <a:latin typeface="Cambria Math" panose="02040503050406030204" pitchFamily="18" charset="0"/>
-                  </a:endParaRPr>
-                </a:p>
-              </p:txBody>
-            </p:sp>
-            <p:pic>
-              <p:nvPicPr>
-                <p:cNvPr id="21" name="Picture 3" descr="C:\Users\dream\Desktop\client.png"/>
-                <p:cNvPicPr>
-                  <a:picLocks noChangeAspect="1" noChangeArrowheads="1"/>
-                </p:cNvPicPr>
-                <p:nvPr/>
-              </p:nvPicPr>
-              <p:blipFill>
-                <a:blip r:embed="rId7">
-                  <a:extLst>
-                    <a:ext uri="{28A0092B-C50C-407E-A947-70E740481C1C}">
-                      <a14:useLocalDpi xmlns:a14="http://schemas.microsoft.com/office/drawing/2010/main" val="0"/>
-                    </a:ext>
-                  </a:extLst>
-                </a:blip>
-                <a:srcRect/>
-                <a:stretch>
-                  <a:fillRect/>
-                </a:stretch>
-              </p:blipFill>
-              <p:spPr bwMode="auto">
-                <a:xfrm>
-                  <a:off x="1811072" y="3283832"/>
-                  <a:ext cx="205466" cy="400660"/>
-                </a:xfrm>
-                <a:prstGeom prst="rect">
-                  <a:avLst/>
-                </a:prstGeom>
-                <a:noFill/>
-                <a:extLst>
-                  <a:ext uri="{909E8E84-426E-40DD-AFC4-6F175D3DCCD1}">
-                    <a14:hiddenFill xmlns:a14="http://schemas.microsoft.com/office/drawing/2010/main">
-                      <a:solidFill>
-                        <a:srgbClr val="FFFFFF"/>
-                      </a:solidFill>
-                    </a14:hiddenFill>
-                  </a:ext>
-                </a:extLst>
-              </p:spPr>
-            </p:pic>
-            <p:pic>
-              <p:nvPicPr>
-                <p:cNvPr id="22" name="Picture 3" descr="C:\Users\dream\Desktop\client.png"/>
-                <p:cNvPicPr>
-                  <a:picLocks noChangeAspect="1" noChangeArrowheads="1"/>
-                </p:cNvPicPr>
-                <p:nvPr/>
-              </p:nvPicPr>
-              <p:blipFill>
-                <a:blip r:embed="rId7">
-                  <a:extLst>
-                    <a:ext uri="{28A0092B-C50C-407E-A947-70E740481C1C}">
-                      <a14:useLocalDpi xmlns:a14="http://schemas.microsoft.com/office/drawing/2010/main" val="0"/>
-                    </a:ext>
-                  </a:extLst>
-                </a:blip>
-                <a:srcRect/>
-                <a:stretch>
-                  <a:fillRect/>
-                </a:stretch>
-              </p:blipFill>
-              <p:spPr bwMode="auto">
-                <a:xfrm>
-                  <a:off x="3132860" y="3799280"/>
-                  <a:ext cx="205466" cy="400660"/>
-                </a:xfrm>
-                <a:prstGeom prst="rect">
-                  <a:avLst/>
-                </a:prstGeom>
-                <a:noFill/>
-                <a:extLst>
-                  <a:ext uri="{909E8E84-426E-40DD-AFC4-6F175D3DCCD1}">
-                    <a14:hiddenFill xmlns:a14="http://schemas.microsoft.com/office/drawing/2010/main">
-                      <a:solidFill>
-                        <a:srgbClr val="FFFFFF"/>
-                      </a:solidFill>
-                    </a14:hiddenFill>
-                  </a:ext>
-                </a:extLst>
-              </p:spPr>
-            </p:pic>
-            <p:pic>
-              <p:nvPicPr>
-                <p:cNvPr id="23" name="Picture 3" descr="C:\Users\dream\Desktop\client.png"/>
-                <p:cNvPicPr>
-                  <a:picLocks noChangeAspect="1" noChangeArrowheads="1"/>
-                </p:cNvPicPr>
-                <p:nvPr/>
-              </p:nvPicPr>
-              <p:blipFill>
-                <a:blip r:embed="rId7">
-                  <a:extLst>
-                    <a:ext uri="{28A0092B-C50C-407E-A947-70E740481C1C}">
-                      <a14:useLocalDpi xmlns:a14="http://schemas.microsoft.com/office/drawing/2010/main" val="0"/>
-                    </a:ext>
-                  </a:extLst>
-                </a:blip>
-                <a:srcRect/>
-                <a:stretch>
-                  <a:fillRect/>
-                </a:stretch>
-              </p:blipFill>
-              <p:spPr bwMode="auto">
-                <a:xfrm>
-                  <a:off x="3569615" y="2739245"/>
-                  <a:ext cx="205466" cy="400660"/>
-                </a:xfrm>
-                <a:prstGeom prst="rect">
-                  <a:avLst/>
-                </a:prstGeom>
-                <a:noFill/>
-                <a:extLst>
-                  <a:ext uri="{909E8E84-426E-40DD-AFC4-6F175D3DCCD1}">
-                    <a14:hiddenFill xmlns:a14="http://schemas.microsoft.com/office/drawing/2010/main">
-                      <a:solidFill>
-                        <a:srgbClr val="FFFFFF"/>
-                      </a:solidFill>
-                    </a14:hiddenFill>
-                  </a:ext>
-                </a:extLst>
-              </p:spPr>
-            </p:pic>
-            <p:sp>
-              <p:nvSpPr>
-                <p:cNvPr id="24" name="오른쪽 화살표 23"/>
-                <p:cNvSpPr/>
-                <p:nvPr/>
-              </p:nvSpPr>
-              <p:spPr>
-                <a:xfrm rot="9022588">
-                  <a:off x="2958699" y="3116270"/>
-                  <a:ext cx="553787" cy="170104"/>
-                </a:xfrm>
-                <a:prstGeom prst="rightArrow">
-                  <a:avLst/>
-                </a:prstGeom>
-                <a:solidFill>
-                  <a:srgbClr val="00B0F0">
-                    <a:alpha val="30000"/>
-                  </a:srgbClr>
-                </a:solidFill>
-              </p:spPr>
-              <p:txBody>
-                <a:bodyPr wrap="square" rtlCol="0" anchor="ctr">
-                  <a:spAutoFit/>
-                </a:bodyPr>
-                <a:lstStyle/>
-                <a:p>
-                  <a:pPr algn="ctr"/>
-                  <a:endParaRPr lang="ko-KR" altLang="en-US" sz="1200" i="1" smtClean="0">
-                    <a:solidFill>
-                      <a:srgbClr val="FF0000"/>
-                    </a:solidFill>
-                    <a:latin typeface="Cambria Math" panose="02040503050406030204" pitchFamily="18" charset="0"/>
-                  </a:endParaRPr>
-                </a:p>
-              </p:txBody>
-            </p:sp>
-          </p:grpSp>
-          <p:sp>
-            <p:nvSpPr>
-              <p:cNvPr id="14" name="TextBox 13"/>
-              <p:cNvSpPr txBox="1"/>
-              <p:nvPr/>
-            </p:nvSpPr>
-            <p:spPr bwMode="auto">
-              <a:xfrm>
-                <a:off x="4076910" y="3645872"/>
-                <a:ext cx="349060" cy="469532"/>
-              </a:xfrm>
-              <a:prstGeom prst="rect">
-                <a:avLst/>
-              </a:prstGeom>
-              <a:noFill/>
-              <a:ln>
-                <a:noFill/>
-              </a:ln>
-              <a:extLst/>
-            </p:spPr>
-            <p:txBody>
-              <a:bodyPr wrap="none" rtlCol="0">
-                <a:spAutoFit/>
-              </a:bodyPr>
-              <a:lstStyle/>
-              <a:p>
-                <a:r>
-                  <a:rPr lang="en-US" altLang="ko-KR" sz="3200" b="1" dirty="0" smtClean="0">
-                    <a:solidFill>
-                      <a:srgbClr val="FF0000"/>
-                    </a:solidFill>
-                  </a:rPr>
-                  <a:t>?</a:t>
-                </a:r>
-                <a:endParaRPr lang="ko-KR" altLang="en-US" sz="1400" b="1" dirty="0">
-                  <a:solidFill>
-                    <a:srgbClr val="FF0000"/>
-                  </a:solidFill>
-                </a:endParaRPr>
-              </a:p>
-            </p:txBody>
-          </p:sp>
-        </p:grpSp>
-        <p:pic>
-          <p:nvPicPr>
-            <p:cNvPr id="25" name="Picture 3" descr="C:\Users\dream\Desktop\client.png"/>
-            <p:cNvPicPr>
-              <a:picLocks noChangeAspect="1" noChangeArrowheads="1"/>
-            </p:cNvPicPr>
-            <p:nvPr/>
-          </p:nvPicPr>
-          <p:blipFill>
-            <a:blip r:embed="rId7">
-              <a:extLst>
-                <a:ext uri="{28A0092B-C50C-407E-A947-70E740481C1C}">
-                  <a14:useLocalDpi xmlns:a14="http://schemas.microsoft.com/office/drawing/2010/main" val="0"/>
-                </a:ext>
-              </a:extLst>
-            </a:blip>
-            <a:srcRect/>
-            <a:stretch>
-              <a:fillRect/>
-            </a:stretch>
-          </p:blipFill>
-          <p:spPr bwMode="auto">
-            <a:xfrm>
-              <a:off x="1173296" y="2555638"/>
-              <a:ext cx="213654" cy="416627"/>
-            </a:xfrm>
-            <a:prstGeom prst="rect">
-              <a:avLst/>
-            </a:prstGeom>
-            <a:noFill/>
-            <a:extLst>
-              <a:ext uri="{909E8E84-426E-40DD-AFC4-6F175D3DCCD1}">
-                <a14:hiddenFill xmlns:a14="http://schemas.microsoft.com/office/drawing/2010/main">
-                  <a:solidFill>
-                    <a:srgbClr val="FFFFFF"/>
-                  </a:solidFill>
-                </a14:hiddenFill>
-              </a:ext>
-            </a:extLst>
-          </p:spPr>
-        </p:pic>
-        <p:sp>
-          <p:nvSpPr>
-            <p:cNvPr id="26" name="오른쪽 화살표 25"/>
-            <p:cNvSpPr/>
-            <p:nvPr/>
-          </p:nvSpPr>
-          <p:spPr>
-            <a:xfrm rot="3114468">
-              <a:off x="1443753" y="2989427"/>
-              <a:ext cx="575857" cy="176883"/>
-            </a:xfrm>
-            <a:prstGeom prst="rightArrow">
-              <a:avLst/>
-            </a:prstGeom>
-            <a:solidFill>
-              <a:srgbClr val="00B0F0"/>
-            </a:solidFill>
-          </p:spPr>
-          <p:txBody>
-            <a:bodyPr wrap="square" rtlCol="0" anchor="ctr">
-              <a:spAutoFit/>
-            </a:bodyPr>
-            <a:lstStyle/>
-            <a:p>
-              <a:pPr algn="ctr"/>
-              <a:endParaRPr lang="ko-KR" altLang="en-US" sz="1200" i="1" smtClean="0">
-                <a:solidFill>
-                  <a:srgbClr val="FF0000"/>
-                </a:solidFill>
-                <a:latin typeface="Cambria Math" panose="02040503050406030204" pitchFamily="18" charset="0"/>
-              </a:endParaRPr>
-            </a:p>
-          </p:txBody>
-        </p:sp>
-      </p:grpSp>
-      <p:sp>
-        <p:nvSpPr>
-          <p:cNvPr id="51" name="직사각형 50"/>
-          <p:cNvSpPr/>
-          <p:nvPr/>
-        </p:nvSpPr>
-        <p:spPr>
-          <a:xfrm>
-            <a:off x="5146316" y="3930882"/>
-            <a:ext cx="432048" cy="1584176"/>
-          </a:xfrm>
-          <a:prstGeom prst="rect">
-            <a:avLst/>
-          </a:prstGeom>
-          <a:solidFill>
-            <a:schemeClr val="tx2">
-              <a:lumMod val="50000"/>
-              <a:lumOff val="50000"/>
-            </a:schemeClr>
-          </a:solidFill>
-        </p:spPr>
-        <p:txBody>
-          <a:bodyPr wrap="square" rtlCol="0" anchor="ctr">
-            <a:spAutoFit/>
-          </a:bodyPr>
-          <a:lstStyle/>
-          <a:p>
-            <a:pPr algn="ctr"/>
-            <a:endParaRPr lang="ko-KR" altLang="en-US" sz="1200" i="1" smtClean="0">
-              <a:solidFill>
-                <a:srgbClr val="FF0000"/>
-              </a:solidFill>
-              <a:latin typeface="Cambria Math" panose="02040503050406030204" pitchFamily="18" charset="0"/>
-            </a:endParaRPr>
-          </a:p>
-        </p:txBody>
-      </p:sp>
-      <p:sp>
-        <p:nvSpPr>
-          <p:cNvPr id="52" name="직사각형 51"/>
-          <p:cNvSpPr/>
-          <p:nvPr/>
-        </p:nvSpPr>
-        <p:spPr>
-          <a:xfrm>
-            <a:off x="5578364" y="3714858"/>
-            <a:ext cx="432048" cy="1800200"/>
-          </a:xfrm>
-          <a:prstGeom prst="rect">
-            <a:avLst/>
-          </a:prstGeom>
-          <a:solidFill>
-            <a:schemeClr val="tx1"/>
-          </a:solidFill>
-        </p:spPr>
-        <p:txBody>
-          <a:bodyPr wrap="square" rtlCol="0" anchor="ctr">
-            <a:spAutoFit/>
-          </a:bodyPr>
-          <a:lstStyle/>
-          <a:p>
-            <a:pPr algn="ctr"/>
-            <a:endParaRPr lang="ko-KR" altLang="en-US" sz="1200" i="1" smtClean="0">
-              <a:solidFill>
-                <a:srgbClr val="FF0000"/>
-              </a:solidFill>
-              <a:latin typeface="Cambria Math" panose="02040503050406030204" pitchFamily="18" charset="0"/>
-            </a:endParaRPr>
-          </a:p>
-        </p:txBody>
-      </p:sp>
-      <p:sp>
-        <p:nvSpPr>
-          <p:cNvPr id="55" name="직사각형 54"/>
-          <p:cNvSpPr/>
-          <p:nvPr/>
-        </p:nvSpPr>
-        <p:spPr>
-          <a:xfrm>
-            <a:off x="6010412" y="4146906"/>
-            <a:ext cx="432048" cy="1368152"/>
-          </a:xfrm>
-          <a:prstGeom prst="rect">
-            <a:avLst/>
-          </a:prstGeom>
-          <a:solidFill>
-            <a:schemeClr val="accent1">
-              <a:lumMod val="90000"/>
-            </a:schemeClr>
-          </a:solidFill>
-        </p:spPr>
-        <p:txBody>
-          <a:bodyPr wrap="square" rtlCol="0" anchor="ctr">
-            <a:spAutoFit/>
-          </a:bodyPr>
-          <a:lstStyle/>
-          <a:p>
-            <a:pPr algn="ctr"/>
-            <a:endParaRPr lang="ko-KR" altLang="en-US" sz="1200" i="1" smtClean="0">
-              <a:solidFill>
-                <a:srgbClr val="FF0000"/>
-              </a:solidFill>
-              <a:latin typeface="Cambria Math" panose="02040503050406030204" pitchFamily="18" charset="0"/>
-            </a:endParaRPr>
-          </a:p>
-        </p:txBody>
-      </p:sp>
-      <p:cxnSp>
-        <p:nvCxnSpPr>
-          <p:cNvPr id="56" name="직선 화살표 연결선 55"/>
-          <p:cNvCxnSpPr/>
-          <p:nvPr/>
-        </p:nvCxnSpPr>
-        <p:spPr bwMode="auto">
-          <a:xfrm flipV="1">
-            <a:off x="5146316" y="2706746"/>
-            <a:ext cx="0" cy="2808312"/>
-          </a:xfrm>
-          <a:prstGeom prst="straightConnector1">
-            <a:avLst/>
-          </a:prstGeom>
-          <a:noFill/>
-          <a:ln w="9525" cap="flat" cmpd="sng" algn="ctr">
-            <a:solidFill>
-              <a:schemeClr val="tx1"/>
-            </a:solidFill>
-            <a:prstDash val="solid"/>
-            <a:round/>
-            <a:headEnd type="none" w="med" len="med"/>
-            <a:tailEnd type="triangle"/>
-          </a:ln>
-          <a:effectLst/>
-        </p:spPr>
-      </p:cxnSp>
-      <p:cxnSp>
-        <p:nvCxnSpPr>
-          <p:cNvPr id="60" name="직선 화살표 연결선 59"/>
-          <p:cNvCxnSpPr/>
-          <p:nvPr/>
-        </p:nvCxnSpPr>
-        <p:spPr bwMode="auto">
-          <a:xfrm>
-            <a:off x="5146316" y="5515058"/>
-            <a:ext cx="5760640" cy="0"/>
-          </a:xfrm>
-          <a:prstGeom prst="straightConnector1">
-            <a:avLst/>
-          </a:prstGeom>
-          <a:noFill/>
-          <a:ln w="9525" cap="flat" cmpd="sng" algn="ctr">
-            <a:solidFill>
-              <a:schemeClr val="tx1"/>
-            </a:solidFill>
-            <a:prstDash val="solid"/>
-            <a:round/>
-            <a:headEnd type="none" w="med" len="med"/>
-            <a:tailEnd type="triangle"/>
-          </a:ln>
-          <a:effectLst/>
-        </p:spPr>
-      </p:cxnSp>
-      <p:sp>
-        <p:nvSpPr>
-          <p:cNvPr id="61" name="TextBox 60"/>
-          <p:cNvSpPr txBox="1"/>
-          <p:nvPr/>
-        </p:nvSpPr>
-        <p:spPr bwMode="auto">
-          <a:xfrm>
-            <a:off x="10915216" y="5401849"/>
-            <a:ext cx="255198" cy="400110"/>
-          </a:xfrm>
-          <a:prstGeom prst="rect">
-            <a:avLst/>
-          </a:prstGeom>
-          <a:noFill/>
-          <a:ln>
-            <a:noFill/>
-          </a:ln>
-          <a:extLst/>
-        </p:spPr>
-        <p:txBody>
-          <a:bodyPr wrap="none" rtlCol="0">
-            <a:spAutoFit/>
-          </a:bodyPr>
-          <a:lstStyle/>
-          <a:p>
-            <a:r>
-              <a:rPr lang="en-US" altLang="ko-KR" sz="2000" dirty="0" smtClean="0"/>
-              <a:t>t</a:t>
-            </a:r>
-            <a:endParaRPr lang="ko-KR" altLang="en-US" sz="2000" dirty="0"/>
-          </a:p>
-        </p:txBody>
-      </p:sp>
-      <p:sp>
-        <p:nvSpPr>
-          <p:cNvPr id="62" name="TextBox 61"/>
-          <p:cNvSpPr txBox="1"/>
-          <p:nvPr/>
-        </p:nvSpPr>
-        <p:spPr bwMode="auto">
-          <a:xfrm>
-            <a:off x="4909591" y="2280077"/>
-            <a:ext cx="668773" cy="400110"/>
-          </a:xfrm>
-          <a:prstGeom prst="rect">
-            <a:avLst/>
-          </a:prstGeom>
-          <a:noFill/>
-          <a:ln>
-            <a:noFill/>
-          </a:ln>
-          <a:extLst/>
-        </p:spPr>
-        <p:txBody>
-          <a:bodyPr wrap="none" rtlCol="0">
-            <a:spAutoFit/>
-          </a:bodyPr>
-          <a:lstStyle/>
-          <a:p>
-            <a:r>
-              <a:rPr lang="en-US" altLang="ko-KR" sz="2000" dirty="0" smtClean="0"/>
-              <a:t>byte</a:t>
-            </a:r>
-            <a:endParaRPr lang="ko-KR" altLang="en-US" sz="2000" dirty="0"/>
-          </a:p>
-        </p:txBody>
-      </p:sp>
-      <p:cxnSp>
-        <p:nvCxnSpPr>
-          <p:cNvPr id="63" name="직선 연결선 62"/>
-          <p:cNvCxnSpPr/>
-          <p:nvPr/>
-        </p:nvCxnSpPr>
-        <p:spPr bwMode="auto">
-          <a:xfrm>
-            <a:off x="6874508" y="2506691"/>
-            <a:ext cx="0" cy="3295268"/>
-          </a:xfrm>
-          <a:prstGeom prst="line">
-            <a:avLst/>
-          </a:prstGeom>
-          <a:noFill/>
-          <a:ln w="28575" cap="flat" cmpd="sng" algn="ctr">
-            <a:solidFill>
-              <a:schemeClr val="tx1"/>
-            </a:solidFill>
-            <a:prstDash val="dash"/>
-            <a:round/>
-            <a:headEnd type="none" w="med" len="med"/>
-            <a:tailEnd type="none" w="med" len="med"/>
-          </a:ln>
-          <a:effectLst/>
-        </p:spPr>
-      </p:cxnSp>
-      <p:sp>
-        <p:nvSpPr>
-          <p:cNvPr id="64" name="직사각형 63"/>
-          <p:cNvSpPr/>
-          <p:nvPr/>
-        </p:nvSpPr>
-        <p:spPr>
-          <a:xfrm>
-            <a:off x="6874508" y="4235301"/>
-            <a:ext cx="432047" cy="1296144"/>
-          </a:xfrm>
-          <a:prstGeom prst="rect">
-            <a:avLst/>
-          </a:prstGeom>
-          <a:solidFill>
-            <a:schemeClr val="tx2">
-              <a:lumMod val="50000"/>
-              <a:lumOff val="50000"/>
-            </a:schemeClr>
-          </a:solidFill>
-        </p:spPr>
-        <p:txBody>
-          <a:bodyPr wrap="square" rtlCol="0" anchor="ctr">
-            <a:spAutoFit/>
-          </a:bodyPr>
-          <a:lstStyle/>
-          <a:p>
-            <a:pPr algn="ctr"/>
-            <a:endParaRPr lang="ko-KR" altLang="en-US" sz="1200" i="1" smtClean="0">
-              <a:solidFill>
-                <a:srgbClr val="FF0000"/>
-              </a:solidFill>
-              <a:latin typeface="Cambria Math" panose="02040503050406030204" pitchFamily="18" charset="0"/>
-            </a:endParaRPr>
-          </a:p>
-        </p:txBody>
-      </p:sp>
-      <p:sp>
-        <p:nvSpPr>
-          <p:cNvPr id="65" name="직사각형 64"/>
-          <p:cNvSpPr/>
-          <p:nvPr/>
-        </p:nvSpPr>
-        <p:spPr>
-          <a:xfrm>
-            <a:off x="7306556" y="3066786"/>
-            <a:ext cx="432047" cy="2464659"/>
-          </a:xfrm>
-          <a:prstGeom prst="rect">
-            <a:avLst/>
-          </a:prstGeom>
-          <a:solidFill>
-            <a:schemeClr val="tx1"/>
-          </a:solidFill>
-        </p:spPr>
-        <p:txBody>
-          <a:bodyPr wrap="square" rtlCol="0" anchor="ctr">
-            <a:spAutoFit/>
-          </a:bodyPr>
-          <a:lstStyle/>
-          <a:p>
-            <a:pPr algn="ctr"/>
-            <a:endParaRPr lang="ko-KR" altLang="en-US" sz="1200" i="1" smtClean="0">
-              <a:solidFill>
-                <a:srgbClr val="FF0000"/>
-              </a:solidFill>
-              <a:latin typeface="Cambria Math" panose="02040503050406030204" pitchFamily="18" charset="0"/>
-            </a:endParaRPr>
-          </a:p>
-        </p:txBody>
-      </p:sp>
-      <p:sp>
-        <p:nvSpPr>
-          <p:cNvPr id="66" name="직사각형 65"/>
-          <p:cNvSpPr/>
-          <p:nvPr/>
-        </p:nvSpPr>
-        <p:spPr>
-          <a:xfrm>
-            <a:off x="7738604" y="3731245"/>
-            <a:ext cx="398846" cy="1800200"/>
-          </a:xfrm>
-          <a:prstGeom prst="rect">
-            <a:avLst/>
-          </a:prstGeom>
-          <a:solidFill>
-            <a:schemeClr val="accent1">
-              <a:lumMod val="90000"/>
-            </a:schemeClr>
-          </a:solidFill>
-        </p:spPr>
-        <p:txBody>
-          <a:bodyPr wrap="square" rtlCol="0" anchor="ctr">
-            <a:spAutoFit/>
-          </a:bodyPr>
-          <a:lstStyle/>
-          <a:p>
-            <a:pPr algn="ctr"/>
-            <a:endParaRPr lang="ko-KR" altLang="en-US" sz="1200" i="1" smtClean="0">
-              <a:solidFill>
-                <a:srgbClr val="FF0000"/>
-              </a:solidFill>
-              <a:latin typeface="Cambria Math" panose="02040503050406030204" pitchFamily="18" charset="0"/>
-            </a:endParaRPr>
-          </a:p>
-        </p:txBody>
-      </p:sp>
-      <p:cxnSp>
-        <p:nvCxnSpPr>
-          <p:cNvPr id="67" name="직선 연결선 66"/>
-          <p:cNvCxnSpPr/>
-          <p:nvPr/>
-        </p:nvCxnSpPr>
-        <p:spPr bwMode="auto">
-          <a:xfrm>
-            <a:off x="8635901" y="2506691"/>
-            <a:ext cx="0" cy="3295268"/>
-          </a:xfrm>
-          <a:prstGeom prst="line">
-            <a:avLst/>
-          </a:prstGeom>
-          <a:noFill/>
-          <a:ln w="28575" cap="flat" cmpd="sng" algn="ctr">
-            <a:solidFill>
-              <a:schemeClr val="tx1"/>
-            </a:solidFill>
-            <a:prstDash val="dash"/>
-            <a:round/>
-            <a:headEnd type="none" w="med" len="med"/>
-            <a:tailEnd type="none" w="med" len="med"/>
-          </a:ln>
-          <a:effectLst/>
-        </p:spPr>
-      </p:cxnSp>
-      <p:sp>
-        <p:nvSpPr>
-          <p:cNvPr id="68" name="직사각형 67"/>
-          <p:cNvSpPr/>
-          <p:nvPr/>
-        </p:nvSpPr>
-        <p:spPr>
-          <a:xfrm>
-            <a:off x="8635900" y="4235301"/>
-            <a:ext cx="432047" cy="1296144"/>
-          </a:xfrm>
-          <a:prstGeom prst="rect">
-            <a:avLst/>
-          </a:prstGeom>
-          <a:solidFill>
-            <a:schemeClr val="tx2">
-              <a:lumMod val="50000"/>
-              <a:lumOff val="50000"/>
-            </a:schemeClr>
-          </a:solidFill>
-        </p:spPr>
-        <p:txBody>
-          <a:bodyPr wrap="square" rtlCol="0" anchor="ctr">
-            <a:spAutoFit/>
-          </a:bodyPr>
-          <a:lstStyle/>
-          <a:p>
-            <a:pPr algn="ctr"/>
-            <a:endParaRPr lang="ko-KR" altLang="en-US" sz="1200" i="1" smtClean="0">
-              <a:solidFill>
-                <a:srgbClr val="FF0000"/>
-              </a:solidFill>
-              <a:latin typeface="Cambria Math" panose="02040503050406030204" pitchFamily="18" charset="0"/>
-            </a:endParaRPr>
-          </a:p>
-        </p:txBody>
-      </p:sp>
-      <p:sp>
-        <p:nvSpPr>
-          <p:cNvPr id="69" name="직사각형 68"/>
-          <p:cNvSpPr/>
-          <p:nvPr/>
-        </p:nvSpPr>
-        <p:spPr>
-          <a:xfrm>
-            <a:off x="9067949" y="4451325"/>
-            <a:ext cx="423788" cy="1080120"/>
-          </a:xfrm>
-          <a:prstGeom prst="rect">
-            <a:avLst/>
-          </a:prstGeom>
-          <a:solidFill>
-            <a:schemeClr val="tx1"/>
-          </a:solidFill>
-        </p:spPr>
-        <p:txBody>
-          <a:bodyPr wrap="square" rtlCol="0" anchor="ctr">
-            <a:spAutoFit/>
-          </a:bodyPr>
-          <a:lstStyle/>
-          <a:p>
-            <a:pPr algn="ctr"/>
-            <a:endParaRPr lang="ko-KR" altLang="en-US" sz="1200" i="1" smtClean="0">
-              <a:solidFill>
-                <a:srgbClr val="FF0000"/>
-              </a:solidFill>
-              <a:latin typeface="Cambria Math" panose="02040503050406030204" pitchFamily="18" charset="0"/>
-            </a:endParaRPr>
-          </a:p>
-        </p:txBody>
-      </p:sp>
-      <p:sp>
-        <p:nvSpPr>
-          <p:cNvPr id="70" name="직사각형 69"/>
-          <p:cNvSpPr/>
-          <p:nvPr/>
-        </p:nvSpPr>
-        <p:spPr>
-          <a:xfrm>
-            <a:off x="9499996" y="4163293"/>
-            <a:ext cx="398845" cy="1368152"/>
-          </a:xfrm>
-          <a:prstGeom prst="rect">
-            <a:avLst/>
-          </a:prstGeom>
-          <a:solidFill>
-            <a:schemeClr val="accent1">
-              <a:lumMod val="90000"/>
-            </a:schemeClr>
-          </a:solidFill>
-        </p:spPr>
-        <p:txBody>
-          <a:bodyPr wrap="square" rtlCol="0" anchor="ctr">
-            <a:spAutoFit/>
-          </a:bodyPr>
-          <a:lstStyle/>
-          <a:p>
-            <a:pPr algn="ctr"/>
-            <a:endParaRPr lang="ko-KR" altLang="en-US" sz="1200" i="1" smtClean="0">
-              <a:solidFill>
-                <a:srgbClr val="FF0000"/>
-              </a:solidFill>
-              <a:latin typeface="Cambria Math" panose="02040503050406030204" pitchFamily="18" charset="0"/>
-            </a:endParaRPr>
-          </a:p>
-        </p:txBody>
-      </p:sp>
-      <p:cxnSp>
-        <p:nvCxnSpPr>
-          <p:cNvPr id="71" name="직선 연결선 70"/>
-          <p:cNvCxnSpPr/>
-          <p:nvPr/>
-        </p:nvCxnSpPr>
-        <p:spPr bwMode="auto">
-          <a:xfrm>
-            <a:off x="10397293" y="2506691"/>
-            <a:ext cx="0" cy="3295268"/>
-          </a:xfrm>
-          <a:prstGeom prst="line">
-            <a:avLst/>
-          </a:prstGeom>
-          <a:noFill/>
-          <a:ln w="28575" cap="flat" cmpd="sng" algn="ctr">
-            <a:solidFill>
-              <a:schemeClr val="tx1"/>
-            </a:solidFill>
-            <a:prstDash val="dash"/>
-            <a:round/>
-            <a:headEnd type="none" w="med" len="med"/>
-            <a:tailEnd type="none" w="med" len="med"/>
-          </a:ln>
-          <a:effectLst/>
-        </p:spPr>
-      </p:cxnSp>
-      <p:cxnSp>
-        <p:nvCxnSpPr>
-          <p:cNvPr id="72" name="꺾인 연결선 71"/>
-          <p:cNvCxnSpPr/>
-          <p:nvPr/>
-        </p:nvCxnSpPr>
-        <p:spPr bwMode="auto">
-          <a:xfrm rot="10800000" flipV="1">
-            <a:off x="10132861" y="2274698"/>
-            <a:ext cx="1062127" cy="740702"/>
-          </a:xfrm>
-          <a:prstGeom prst="bentConnector2">
-            <a:avLst/>
-          </a:prstGeom>
-          <a:noFill/>
-          <a:ln w="28575" cap="flat" cmpd="sng" algn="ctr">
-            <a:solidFill>
-              <a:srgbClr val="FF0000"/>
-            </a:solidFill>
-            <a:prstDash val="solid"/>
-            <a:round/>
-            <a:headEnd type="none" w="med" len="med"/>
-            <a:tailEnd type="triangle"/>
-          </a:ln>
-          <a:effectLst/>
-        </p:spPr>
-      </p:cxnSp>
-      <p:cxnSp>
-        <p:nvCxnSpPr>
-          <p:cNvPr id="73" name="직선 연결선 72"/>
-          <p:cNvCxnSpPr/>
-          <p:nvPr/>
-        </p:nvCxnSpPr>
-        <p:spPr bwMode="auto">
-          <a:xfrm>
-            <a:off x="7666596" y="2280077"/>
-            <a:ext cx="3096344" cy="0"/>
-          </a:xfrm>
-          <a:prstGeom prst="line">
-            <a:avLst/>
-          </a:prstGeom>
-          <a:noFill/>
-          <a:ln w="38100" cap="flat" cmpd="sng" algn="ctr">
-            <a:solidFill>
-              <a:srgbClr val="FF0000"/>
-            </a:solidFill>
-            <a:prstDash val="solid"/>
-            <a:round/>
-            <a:headEnd type="none" w="med" len="med"/>
-            <a:tailEnd type="none" w="med" len="med"/>
-          </a:ln>
-          <a:effectLst/>
-        </p:spPr>
-      </p:cxnSp>
-      <p:sp>
-        <p:nvSpPr>
-          <p:cNvPr id="74" name="직사각형 73"/>
-          <p:cNvSpPr/>
-          <p:nvPr/>
-        </p:nvSpPr>
-        <p:spPr>
-          <a:xfrm>
-            <a:off x="9918728" y="3020779"/>
-            <a:ext cx="451520" cy="2494279"/>
-          </a:xfrm>
-          <a:prstGeom prst="rect">
-            <a:avLst/>
-          </a:prstGeom>
-          <a:solidFill>
-            <a:srgbClr val="FF0000"/>
-          </a:solidFill>
-        </p:spPr>
-        <p:txBody>
-          <a:bodyPr wrap="square" rtlCol="0" anchor="ctr">
-            <a:spAutoFit/>
-          </a:bodyPr>
-          <a:lstStyle/>
-          <a:p>
-            <a:pPr algn="ctr"/>
-            <a:endParaRPr lang="ko-KR" altLang="en-US" sz="1200" i="1" smtClean="0">
-              <a:solidFill>
-                <a:srgbClr val="FF0000"/>
-              </a:solidFill>
-              <a:latin typeface="Cambria Math" panose="02040503050406030204" pitchFamily="18" charset="0"/>
-            </a:endParaRPr>
-          </a:p>
-        </p:txBody>
-      </p:sp>
-      <p:cxnSp>
-        <p:nvCxnSpPr>
-          <p:cNvPr id="75" name="직선 화살표 연결선 74"/>
-          <p:cNvCxnSpPr/>
-          <p:nvPr/>
-        </p:nvCxnSpPr>
-        <p:spPr bwMode="auto">
-          <a:xfrm>
-            <a:off x="8674708" y="5801959"/>
-            <a:ext cx="1728192" cy="0"/>
-          </a:xfrm>
-          <a:prstGeom prst="straightConnector1">
-            <a:avLst/>
-          </a:prstGeom>
-          <a:noFill/>
-          <a:ln w="9525" cap="flat" cmpd="sng" algn="ctr">
-            <a:solidFill>
-              <a:schemeClr val="tx1"/>
-            </a:solidFill>
-            <a:prstDash val="solid"/>
-            <a:round/>
-            <a:headEnd type="none" w="med" len="med"/>
-            <a:tailEnd type="triangle"/>
-          </a:ln>
-          <a:effectLst/>
-        </p:spPr>
-      </p:cxnSp>
-      <p:cxnSp>
-        <p:nvCxnSpPr>
-          <p:cNvPr id="76" name="직선 화살표 연결선 75"/>
-          <p:cNvCxnSpPr/>
-          <p:nvPr/>
-        </p:nvCxnSpPr>
-        <p:spPr bwMode="auto">
-          <a:xfrm flipH="1">
-            <a:off x="8674708" y="5801959"/>
-            <a:ext cx="1728192" cy="0"/>
-          </a:xfrm>
-          <a:prstGeom prst="straightConnector1">
-            <a:avLst/>
-          </a:prstGeom>
-          <a:noFill/>
-          <a:ln w="9525" cap="flat" cmpd="sng" algn="ctr">
-            <a:solidFill>
-              <a:schemeClr val="tx1"/>
-            </a:solidFill>
-            <a:prstDash val="solid"/>
-            <a:round/>
-            <a:headEnd type="none" w="med" len="med"/>
-            <a:tailEnd type="triangle"/>
-          </a:ln>
-          <a:effectLst/>
-        </p:spPr>
-      </p:cxnSp>
-      <p:graphicFrame>
-        <p:nvGraphicFramePr>
-          <p:cNvPr id="77" name="개체 76"/>
-          <p:cNvGraphicFramePr>
-            <a:graphicFrameLocks noChangeAspect="1"/>
-          </p:cNvGraphicFramePr>
-          <p:nvPr>
-            <p:extLst>
-              <p:ext uri="{D42A27DB-BD31-4B8C-83A1-F6EECF244321}">
-                <p14:modId xmlns:p14="http://schemas.microsoft.com/office/powerpoint/2010/main" val="96014677"/>
-              </p:ext>
-            </p:extLst>
-          </p:nvPr>
-        </p:nvGraphicFramePr>
-        <p:xfrm>
-          <a:off x="9978691" y="5800709"/>
-          <a:ext cx="2073275" cy="733425"/>
-        </p:xfrm>
-        <a:graphic>
-          <a:graphicData uri="http://schemas.openxmlformats.org/presentationml/2006/ole">
-            <mc:AlternateContent xmlns:mc="http://schemas.openxmlformats.org/markup-compatibility/2006">
-              <mc:Choice xmlns:v="urn:schemas-microsoft-com:vml" Requires="v">
-                <p:oleObj spid="_x0000_s1070" name="Equation" r:id="rId8" imgW="1218960" imgH="431640" progId="Equation.DSMT4">
-                  <p:embed/>
-                </p:oleObj>
-              </mc:Choice>
-              <mc:Fallback>
-                <p:oleObj name="Equation" r:id="rId8" imgW="1218960" imgH="431640" progId="Equation.DSMT4">
-                  <p:embed/>
-                  <p:pic>
-                    <p:nvPicPr>
-                      <p:cNvPr id="0" name=""/>
-                      <p:cNvPicPr/>
-                      <p:nvPr/>
-                    </p:nvPicPr>
-                    <p:blipFill>
-                      <a:blip r:embed="rId9"/>
-                      <a:stretch>
-                        <a:fillRect/>
-                      </a:stretch>
-                    </p:blipFill>
-                    <p:spPr>
-                      <a:xfrm>
-                        <a:off x="9978691" y="5800709"/>
-                        <a:ext cx="2073275" cy="733425"/>
-                      </a:xfrm>
-                      <a:prstGeom prst="rect">
-                        <a:avLst/>
-                      </a:prstGeom>
-                    </p:spPr>
-                  </p:pic>
-                </p:oleObj>
-              </mc:Fallback>
-            </mc:AlternateContent>
-          </a:graphicData>
-        </a:graphic>
-      </p:graphicFrame>
-      <p:graphicFrame>
-        <p:nvGraphicFramePr>
-          <p:cNvPr id="78" name="개체 77"/>
-          <p:cNvGraphicFramePr>
-            <a:graphicFrameLocks noChangeAspect="1"/>
-          </p:cNvGraphicFramePr>
-          <p:nvPr>
-            <p:extLst>
-              <p:ext uri="{D42A27DB-BD31-4B8C-83A1-F6EECF244321}">
-                <p14:modId xmlns:p14="http://schemas.microsoft.com/office/powerpoint/2010/main" val="693074014"/>
-              </p:ext>
-            </p:extLst>
-          </p:nvPr>
-        </p:nvGraphicFramePr>
-        <p:xfrm>
-          <a:off x="9124616" y="5802297"/>
-          <a:ext cx="746125" cy="677862"/>
-        </p:xfrm>
-        <a:graphic>
-          <a:graphicData uri="http://schemas.openxmlformats.org/presentationml/2006/ole">
-            <mc:AlternateContent xmlns:mc="http://schemas.openxmlformats.org/markup-compatibility/2006">
-              <mc:Choice xmlns:v="urn:schemas-microsoft-com:vml" Requires="v">
-                <p:oleObj spid="_x0000_s1071" name="Equation" r:id="rId10" imgW="279360" imgH="253800" progId="Equation.DSMT4">
-                  <p:embed/>
-                </p:oleObj>
-              </mc:Choice>
-              <mc:Fallback>
-                <p:oleObj name="Equation" r:id="rId10" imgW="279360" imgH="253800" progId="Equation.DSMT4">
-                  <p:embed/>
-                  <p:pic>
-                    <p:nvPicPr>
-                      <p:cNvPr id="0" name=""/>
-                      <p:cNvPicPr/>
-                      <p:nvPr/>
-                    </p:nvPicPr>
-                    <p:blipFill>
-                      <a:blip r:embed="rId11"/>
-                      <a:stretch>
-                        <a:fillRect/>
-                      </a:stretch>
-                    </p:blipFill>
-                    <p:spPr>
-                      <a:xfrm>
-                        <a:off x="9124616" y="5802297"/>
-                        <a:ext cx="746125" cy="677862"/>
-                      </a:xfrm>
-                      <a:prstGeom prst="rect">
-                        <a:avLst/>
-                      </a:prstGeom>
-                    </p:spPr>
-                  </p:pic>
-                </p:oleObj>
-              </mc:Fallback>
-            </mc:AlternateContent>
-          </a:graphicData>
-        </a:graphic>
-      </p:graphicFrame>
-      <p:graphicFrame>
-        <p:nvGraphicFramePr>
-          <p:cNvPr id="5" name="개체 4"/>
-          <p:cNvGraphicFramePr>
-            <a:graphicFrameLocks noChangeAspect="1"/>
-          </p:cNvGraphicFramePr>
-          <p:nvPr>
-            <p:extLst>
-              <p:ext uri="{D42A27DB-BD31-4B8C-83A1-F6EECF244321}">
-                <p14:modId xmlns:p14="http://schemas.microsoft.com/office/powerpoint/2010/main" val="12407802"/>
-              </p:ext>
-            </p:extLst>
-          </p:nvPr>
-        </p:nvGraphicFramePr>
-        <p:xfrm>
-          <a:off x="7090531" y="1626238"/>
-          <a:ext cx="4659312" cy="560387"/>
-        </p:xfrm>
-        <a:graphic>
-          <a:graphicData uri="http://schemas.openxmlformats.org/presentationml/2006/ole">
-            <mc:AlternateContent xmlns:mc="http://schemas.openxmlformats.org/markup-compatibility/2006">
-              <mc:Choice xmlns:v="urn:schemas-microsoft-com:vml" Requires="v">
-                <p:oleObj spid="_x0000_s1072" name="Equation" r:id="rId12" imgW="2108160" imgH="253800" progId="Equation.DSMT4">
-                  <p:embed/>
-                </p:oleObj>
-              </mc:Choice>
-              <mc:Fallback>
-                <p:oleObj name="Equation" r:id="rId12" imgW="2108160" imgH="253800" progId="Equation.DSMT4">
-                  <p:embed/>
-                  <p:pic>
-                    <p:nvPicPr>
-                      <p:cNvPr id="0" name="개체 45"/>
-                      <p:cNvPicPr>
-                        <a:picLocks noChangeAspect="1" noChangeArrowheads="1"/>
-                      </p:cNvPicPr>
-                      <p:nvPr/>
-                    </p:nvPicPr>
-                    <p:blipFill>
-                      <a:blip r:embed="rId13">
-                        <a:extLst>
-                          <a:ext uri="{28A0092B-C50C-407E-A947-70E740481C1C}">
-                            <a14:useLocalDpi xmlns:a14="http://schemas.microsoft.com/office/drawing/2010/main" val="0"/>
-                          </a:ext>
-                        </a:extLst>
-                      </a:blip>
-                      <a:srcRect/>
-                      <a:stretch>
-                        <a:fillRect/>
-                      </a:stretch>
-                    </p:blipFill>
-                    <p:spPr bwMode="auto">
-                      <a:xfrm>
-                        <a:off x="7090531" y="1626238"/>
-                        <a:ext cx="4659312" cy="560387"/>
-                      </a:xfrm>
-                      <a:prstGeom prst="rect">
-                        <a:avLst/>
-                      </a:prstGeom>
-                      <a:noFill/>
-                      <a:ln>
-                        <a:noFill/>
-                      </a:ln>
-                      <a:extLst>
-                        <a:ext uri="{909E8E84-426E-40DD-AFC4-6F175D3DCCD1}">
-                          <a14:hiddenFill xmlns:a14="http://schemas.microsoft.com/office/drawing/2010/main">
-                            <a:solidFill>
-                              <a:srgbClr val="FFFFFF"/>
-                            </a:solidFill>
-                          </a14:hiddenFill>
-                        </a:ext>
-                        <a:ext uri="{91240B29-F687-4F45-9708-019B960494DF}">
-                          <a14:hiddenLine xmlns:a14="http://schemas.microsoft.com/office/drawing/2010/main" w="9525">
-                            <a:solidFill>
-                              <a:srgbClr val="000000"/>
-                            </a:solidFill>
-                            <a:miter lim="800000"/>
-                            <a:headEnd/>
-                            <a:tailEnd/>
-                          </a14:hiddenLine>
-                        </a:ext>
-                      </a:extLst>
-                    </p:spPr>
-                  </p:pic>
-                </p:oleObj>
-              </mc:Fallback>
-            </mc:AlternateContent>
-          </a:graphicData>
-        </a:graphic>
-      </p:graphicFrame>
-      <p:sp>
-        <p:nvSpPr>
-          <p:cNvPr id="7" name="직사각형 6"/>
-          <p:cNvSpPr/>
-          <p:nvPr/>
-        </p:nvSpPr>
-        <p:spPr>
-          <a:xfrm>
-            <a:off x="10017760" y="1615440"/>
-            <a:ext cx="385140" cy="477520"/>
-          </a:xfrm>
-          <a:prstGeom prst="rect">
-            <a:avLst/>
-          </a:prstGeom>
-          <a:solidFill>
-            <a:schemeClr val="bg1"/>
-          </a:solidFill>
-          <a:ln>
-            <a:solidFill>
-              <a:schemeClr val="bg1"/>
-            </a:solidFill>
-          </a:ln>
-        </p:spPr>
-        <p:style>
-          <a:lnRef idx="2">
-            <a:schemeClr val="accent1">
-              <a:shade val="50000"/>
-            </a:schemeClr>
-          </a:lnRef>
-          <a:fillRef idx="1">
-            <a:schemeClr val="accent1"/>
-          </a:fillRef>
-          <a:effectRef idx="0">
-            <a:schemeClr val="accent1"/>
-          </a:effectRef>
-          <a:fontRef idx="minor">
-            <a:schemeClr val="lt1"/>
-          </a:fontRef>
-        </p:style>
-        <p:txBody>
-          <a:bodyPr rtlCol="0" anchor="ctr"/>
-          <a:lstStyle/>
-          <a:p>
-            <a:pPr algn="ctr"/>
-            <a:endParaRPr lang="ko-KR" altLang="en-US"/>
-          </a:p>
-        </p:txBody>
-      </p:sp>
-      <p:grpSp>
-        <p:nvGrpSpPr>
-          <p:cNvPr id="79" name="그룹 78"/>
-          <p:cNvGrpSpPr/>
-          <p:nvPr/>
-        </p:nvGrpSpPr>
-        <p:grpSpPr>
-          <a:xfrm>
-            <a:off x="5524899" y="5625963"/>
-            <a:ext cx="538977" cy="45719"/>
-            <a:chOff x="2860408" y="3402694"/>
-            <a:chExt cx="919503" cy="0"/>
-          </a:xfrm>
-        </p:grpSpPr>
-        <p:cxnSp>
-          <p:nvCxnSpPr>
-            <p:cNvPr id="80" name="직선 화살표 연결선 79"/>
-            <p:cNvCxnSpPr/>
-            <p:nvPr/>
-          </p:nvCxnSpPr>
-          <p:spPr bwMode="auto">
-            <a:xfrm flipV="1">
-              <a:off x="2860408" y="3402694"/>
-              <a:ext cx="919503" cy="0"/>
-            </a:xfrm>
-            <a:prstGeom prst="straightConnector1">
-              <a:avLst/>
-            </a:prstGeom>
-            <a:noFill/>
-            <a:ln w="9525" cap="flat" cmpd="sng" algn="ctr">
-              <a:solidFill>
-                <a:schemeClr val="tx1"/>
-              </a:solidFill>
-              <a:prstDash val="solid"/>
-              <a:round/>
-              <a:headEnd type="none" w="med" len="med"/>
-              <a:tailEnd type="triangle"/>
-            </a:ln>
-            <a:effectLst/>
-          </p:spPr>
-        </p:cxnSp>
-        <p:cxnSp>
-          <p:nvCxnSpPr>
-            <p:cNvPr id="81" name="직선 화살표 연결선 80"/>
-            <p:cNvCxnSpPr/>
-            <p:nvPr/>
-          </p:nvCxnSpPr>
-          <p:spPr bwMode="auto">
-            <a:xfrm flipH="1" flipV="1">
-              <a:off x="2860408" y="3402694"/>
-              <a:ext cx="919503" cy="0"/>
-            </a:xfrm>
-            <a:prstGeom prst="straightConnector1">
-              <a:avLst/>
-            </a:prstGeom>
-            <a:noFill/>
-            <a:ln w="9525" cap="flat" cmpd="sng" algn="ctr">
-              <a:solidFill>
-                <a:schemeClr val="tx1"/>
-              </a:solidFill>
-              <a:prstDash val="solid"/>
-              <a:round/>
-              <a:headEnd type="none" w="med" len="med"/>
-              <a:tailEnd type="triangle"/>
-            </a:ln>
-            <a:effectLst/>
-          </p:spPr>
-        </p:cxnSp>
-      </p:grpSp>
-      <p:sp>
-        <p:nvSpPr>
-          <p:cNvPr id="9" name="오른쪽 화살표 8"/>
-          <p:cNvSpPr/>
-          <p:nvPr/>
-        </p:nvSpPr>
-        <p:spPr>
-          <a:xfrm>
-            <a:off x="4391431" y="3850582"/>
-            <a:ext cx="518160" cy="476606"/>
-          </a:xfrm>
-          <a:prstGeom prst="rightArrow">
-            <a:avLst/>
-          </a:prstGeom>
-          <a:solidFill>
-            <a:schemeClr val="bg1"/>
-          </a:solidFill>
-          <a:ln>
-            <a:solidFill>
-              <a:schemeClr val="tx1">
-                <a:lumMod val="50000"/>
-                <a:lumOff val="50000"/>
-              </a:schemeClr>
-            </a:solidFill>
-          </a:ln>
-        </p:spPr>
-        <p:style>
-          <a:lnRef idx="0">
-            <a:schemeClr val="accent3"/>
-          </a:lnRef>
-          <a:fillRef idx="3">
-            <a:schemeClr val="accent3"/>
-          </a:fillRef>
-          <a:effectRef idx="3">
-            <a:schemeClr val="accent3"/>
-          </a:effectRef>
-          <a:fontRef idx="minor">
-            <a:schemeClr val="lt1"/>
-          </a:fontRef>
-        </p:style>
-        <p:txBody>
-          <a:bodyPr rtlCol="0" anchor="ctr"/>
-          <a:lstStyle/>
-          <a:p>
-            <a:pPr algn="ctr"/>
-            <a:endParaRPr lang="ko-KR" altLang="en-US"/>
-          </a:p>
-        </p:txBody>
-      </p:sp>
-    </p:spTree>
-    <p:extLst>
-      <p:ext uri="{BB962C8B-B14F-4D97-AF65-F5344CB8AC3E}">
-        <p14:creationId xmlns:p14="http://schemas.microsoft.com/office/powerpoint/2010/main" val="2565450325"/>
-      </p:ext>
-    </p:extLst>
-  </p:cSld>
-  <p:clrMapOvr>
-    <a:masterClrMapping/>
-  </p:clrMapOvr>
-  <p:timing>
-    <p:tnLst>
-      <p:par>
-        <p:cTn id="1" dur="indefinite" restart="never" nodeType="tmRoot"/>
-      </p:par>
-    </p:tnLst>
-  </p:timing>
-</p:sld>
-</file>
-
 <file path=ppt/theme/theme1.xml><?xml version="1.0" encoding="utf-8"?>
 <a:theme xmlns:a="http://schemas.openxmlformats.org/drawingml/2006/main" name="Office 테마">
   <a:themeElements>
@@ -15346,7 +13769,7 @@
   <a:extraClrSchemeLst/>
   <a:extLst>
     <a:ext uri="{05A4C25C-085E-4340-85A3-A5531E510DB2}">
-      <thm15:themeFamily xmlns:thm15="http://schemas.microsoft.com/office/thememl/2012/main" xmlns="" name="Office Theme" id="{62F939B6-93AF-4DB8-9C6B-D6C7DFDC589F}" vid="{4A3C46E8-61CC-4603-A589-7422A47A8E4A}"/>
+      <thm15:themeFamily xmlns:thm15="http://schemas.microsoft.com/office/thememl/2012/main" name="Office Theme" id="{62F939B6-93AF-4DB8-9C6B-D6C7DFDC589F}" vid="{4A3C46E8-61CC-4603-A589-7422A47A8E4A}"/>
     </a:ext>
   </a:extLst>
 </a:theme>
@@ -15607,7 +14030,7 @@
   <a:extraClrSchemeLst/>
   <a:extLst>
     <a:ext uri="{05A4C25C-085E-4340-85A3-A5531E510DB2}">
-      <thm15:themeFamily xmlns:thm15="http://schemas.microsoft.com/office/thememl/2012/main" xmlns="" name="Office Theme" id="{62F939B6-93AF-4DB8-9C6B-D6C7DFDC589F}" vid="{4A3C46E8-61CC-4603-A589-7422A47A8E4A}"/>
+      <thm15:themeFamily xmlns:thm15="http://schemas.microsoft.com/office/thememl/2012/main" name="Office Theme" id="{62F939B6-93AF-4DB8-9C6B-D6C7DFDC589F}" vid="{4A3C46E8-61CC-4603-A589-7422A47A8E4A}"/>
     </a:ext>
   </a:extLst>
 </a:theme>
